--- a/Short Course/Slides/Session 4.pptx
+++ b/Short Course/Slides/Session 4.pptx
@@ -217,7 +217,7 @@
           <a:p>
             <a:fld id="{EF7326FB-C170-824F-9C42-CF57DDFD9F55}" type="datetimeFigureOut">
               <a:rPr lang="en-US" smtClean="0"/>
-              <a:t>8/17/21</a:t>
+              <a:t>9/8/21</a:t>
             </a:fld>
             <a:endParaRPr lang="en-US"/>
           </a:p>
@@ -524,14 +524,14 @@
           <a:ln/>
           <a:extLst>
             <a:ext uri="{909E8E84-426E-40dd-AFC4-6F175D3DCCD1}">
-              <a14:hiddenFill xmlns="" xmlns:a14="http://schemas.microsoft.com/office/drawing/2010/main">
+              <a14:hiddenFill xmlns:a14="http://schemas.microsoft.com/office/drawing/2010/main" xmlns="">
                 <a:solidFill>
                   <a:srgbClr val="FFFFFF"/>
                 </a:solidFill>
               </a14:hiddenFill>
             </a:ext>
             <a:ext uri="{91240B29-F687-4f45-9708-019B960494DF}">
-              <a14:hiddenLine xmlns="" xmlns:a14="http://schemas.microsoft.com/office/drawing/2010/main" w="9525">
+              <a14:hiddenLine xmlns:a14="http://schemas.microsoft.com/office/drawing/2010/main" xmlns="" w="9525">
                 <a:solidFill>
                   <a:srgbClr val="000000"/>
                 </a:solidFill>
@@ -874,14 +874,14 @@
           <a:ln/>
           <a:extLst>
             <a:ext uri="{909E8E84-426E-40dd-AFC4-6F175D3DCCD1}">
-              <a14:hiddenFill xmlns="" xmlns:a14="http://schemas.microsoft.com/office/drawing/2010/main">
+              <a14:hiddenFill xmlns:a14="http://schemas.microsoft.com/office/drawing/2010/main" xmlns="">
                 <a:solidFill>
                   <a:srgbClr val="FFFFFF"/>
                 </a:solidFill>
               </a14:hiddenFill>
             </a:ext>
             <a:ext uri="{91240B29-F687-4f45-9708-019B960494DF}">
-              <a14:hiddenLine xmlns="" xmlns:a14="http://schemas.microsoft.com/office/drawing/2010/main" w="9525">
+              <a14:hiddenLine xmlns:a14="http://schemas.microsoft.com/office/drawing/2010/main" xmlns="" w="9525">
                 <a:solidFill>
                   <a:srgbClr val="000000"/>
                 </a:solidFill>
@@ -891,7 +891,7 @@
               </a14:hiddenLine>
             </a:ext>
             <a:ext uri="{FAA26D3D-D897-4be2-8F04-BA451C77F1D7}">
-              <ma14:placeholderFlag xmlns="" xmlns:ma14="http://schemas.microsoft.com/office/mac/drawingml/2011/main" val="1"/>
+              <ma14:placeholderFlag xmlns:ma14="http://schemas.microsoft.com/office/mac/drawingml/2011/main" xmlns="" val="1"/>
             </a:ext>
           </a:extLst>
         </p:spPr>
@@ -1233,9 +1233,9 @@
           <a:bodyPr/>
           <a:lstStyle/>
           <a:p>
-            <a:fld id="{FD2B64AD-45C9-F941-9591-1B7ED388927A}" type="datetime1">
+            <a:fld id="{487B3780-7151-CF41-8982-6369EFEBDA6C}" type="datetime1">
               <a:rPr lang="en-US" smtClean="0"/>
-              <a:t>8/17/21</a:t>
+              <a:t>9/8/21</a:t>
             </a:fld>
             <a:endParaRPr lang="en-US"/>
           </a:p>
@@ -1528,9 +1528,9 @@
           <a:bodyPr/>
           <a:lstStyle/>
           <a:p>
-            <a:fld id="{0C4CB924-BAD6-2248-B37F-CC2A7E13A86C}" type="datetime1">
+            <a:fld id="{88E5AE69-201A-394C-8A0D-641CEC739873}" type="datetime1">
               <a:rPr lang="en-US" smtClean="0"/>
-              <a:t>8/17/21</a:t>
+              <a:t>9/8/21</a:t>
             </a:fld>
             <a:endParaRPr lang="en-US"/>
           </a:p>
@@ -1739,9 +1739,9 @@
           <a:bodyPr/>
           <a:lstStyle/>
           <a:p>
-            <a:fld id="{E9AB50D3-0384-E94C-9AEF-F1D946AD9E8B}" type="datetime1">
+            <a:fld id="{A7E50ABF-8898-BA42-A8D7-432033C061E3}" type="datetime1">
               <a:rPr lang="en-US" smtClean="0"/>
-              <a:t>8/17/21</a:t>
+              <a:t>9/8/21</a:t>
             </a:fld>
             <a:endParaRPr lang="en-US"/>
           </a:p>
@@ -1950,9 +1950,9 @@
           <a:bodyPr/>
           <a:lstStyle/>
           <a:p>
-            <a:fld id="{A9257CF1-B081-4D49-B1C7-AEA8EC098987}" type="datetime1">
+            <a:fld id="{A19FBE64-0CDA-6B4B-8FC9-134D7EA150C5}" type="datetime1">
               <a:rPr lang="en-US" smtClean="0"/>
-              <a:t>8/17/21</a:t>
+              <a:t>9/8/21</a:t>
             </a:fld>
             <a:endParaRPr lang="en-US"/>
           </a:p>
@@ -2322,9 +2322,9 @@
           <a:bodyPr/>
           <a:lstStyle/>
           <a:p>
-            <a:fld id="{68A8C1DA-5514-F742-AC9E-133E3488D705}" type="datetime1">
+            <a:fld id="{EB642C15-1239-904E-B949-2887253D0C90}" type="datetime1">
               <a:rPr lang="en-US" smtClean="0"/>
-              <a:t>8/17/21</a:t>
+              <a:t>9/8/21</a:t>
             </a:fld>
             <a:endParaRPr lang="en-US"/>
           </a:p>
@@ -2590,9 +2590,9 @@
           <a:bodyPr/>
           <a:lstStyle/>
           <a:p>
-            <a:fld id="{89BE44FF-A189-FD42-B843-E7F36C583DE4}" type="datetime1">
+            <a:fld id="{D0C7B2F5-79E3-0741-848B-8D567933B518}" type="datetime1">
               <a:rPr lang="en-US" smtClean="0"/>
-              <a:t>8/17/21</a:t>
+              <a:t>9/8/21</a:t>
             </a:fld>
             <a:endParaRPr lang="en-US"/>
           </a:p>
@@ -3005,9 +3005,9 @@
           <a:bodyPr/>
           <a:lstStyle/>
           <a:p>
-            <a:fld id="{A9271EA9-EAE2-6A4E-88AB-F7CB05BC69B7}" type="datetime1">
+            <a:fld id="{EF0B3650-01CA-A748-9A05-D38A3B4896BE}" type="datetime1">
               <a:rPr lang="en-US" smtClean="0"/>
-              <a:t>8/17/21</a:t>
+              <a:t>9/8/21</a:t>
             </a:fld>
             <a:endParaRPr lang="en-US"/>
           </a:p>
@@ -3158,9 +3158,9 @@
           <a:bodyPr/>
           <a:lstStyle/>
           <a:p>
-            <a:fld id="{DE99858F-1740-E440-ADCB-C34B0A91B6F2}" type="datetime1">
+            <a:fld id="{FCF1D55B-752C-2E40-BD12-2A386FFDD186}" type="datetime1">
               <a:rPr lang="en-US" smtClean="0"/>
-              <a:t>8/17/21</a:t>
+              <a:t>9/8/21</a:t>
             </a:fld>
             <a:endParaRPr lang="en-US"/>
           </a:p>
@@ -3368,9 +3368,9 @@
           <a:bodyPr/>
           <a:lstStyle/>
           <a:p>
-            <a:fld id="{A1DC3880-D480-4040-AD31-6641AD29594C}" type="datetime1">
+            <a:fld id="{9C43E89A-9B21-8745-971F-387C833D853E}" type="datetime1">
               <a:rPr lang="en-US" smtClean="0"/>
-              <a:t>8/17/21</a:t>
+              <a:t>9/8/21</a:t>
             </a:fld>
             <a:endParaRPr lang="en-US"/>
           </a:p>
@@ -3776,9 +3776,9 @@
           <a:bodyPr/>
           <a:lstStyle/>
           <a:p>
-            <a:fld id="{28A298CF-5466-1A4A-AC4A-4464FDA40426}" type="datetime1">
+            <a:fld id="{0AD3B11E-BC8A-5747-8C2B-46434D40B751}" type="datetime1">
               <a:rPr lang="en-US" smtClean="0"/>
-              <a:t>8/17/21</a:t>
+              <a:t>9/8/21</a:t>
             </a:fld>
             <a:endParaRPr lang="en-US"/>
           </a:p>
@@ -4070,9 +4070,9 @@
           <a:bodyPr/>
           <a:lstStyle/>
           <a:p>
-            <a:fld id="{726F5D0D-43BC-3E49-91AD-82ABC067599E}" type="datetime1">
+            <a:fld id="{10CF4978-5BB3-914B-8703-DEC5E44F7A39}" type="datetime1">
               <a:rPr lang="en-US" smtClean="0"/>
-              <a:t>8/17/21</a:t>
+              <a:t>9/8/21</a:t>
             </a:fld>
             <a:endParaRPr lang="en-US"/>
           </a:p>
@@ -4314,9 +4314,9 @@
             </a:lvl1pPr>
           </a:lstStyle>
           <a:p>
-            <a:fld id="{964A2CEF-78BA-DF4A-8C4E-B208F3C61890}" type="datetime1">
+            <a:fld id="{04D5AEAF-8922-3B4A-B845-4D42FEB9D317}" type="datetime1">
               <a:rPr lang="en-US" smtClean="0"/>
-              <a:t>8/17/21</a:t>
+              <a:t>9/8/21</a:t>
             </a:fld>
             <a:endParaRPr lang="en-US"/>
           </a:p>
@@ -4992,31 +4992,30 @@
       </p:sp>
       <p:sp>
         <p:nvSpPr>
-          <p:cNvPr id="6" name="Slide Number Placeholder 5">
-            <a:extLst>
-              <a:ext uri="{FF2B5EF4-FFF2-40B4-BE49-F238E27FC236}">
-                <a16:creationId xmlns:a16="http://schemas.microsoft.com/office/drawing/2014/main" id="{8CB25E1A-C723-1B47-8830-8AB774EA57EA}"/>
-              </a:ext>
-            </a:extLst>
-          </p:cNvPr>
-          <p:cNvSpPr>
-            <a:spLocks noGrp="1"/>
-          </p:cNvSpPr>
-          <p:nvPr>
-            <p:ph type="sldNum" idx="12"/>
-          </p:nvPr>
-        </p:nvSpPr>
-        <p:spPr/>
-        <p:txBody>
-          <a:bodyPr/>
-          <a:lstStyle/>
-          <a:p>
-            <a:fld id="{2C872155-2C61-9C4F-913C-FEC05CAEFC81}" type="slidenum">
-              <a:rPr lang="en-GB" smtClean="0"/>
-              <a:pPr/>
+          <p:cNvPr id="4" name="Slide Number Placeholder 3">
+            <a:extLst>
+              <a:ext uri="{FF2B5EF4-FFF2-40B4-BE49-F238E27FC236}">
+                <a16:creationId xmlns:a16="http://schemas.microsoft.com/office/drawing/2014/main" id="{3EF8F7CF-8488-4046-87DC-A0EEAC526189}"/>
+              </a:ext>
+            </a:extLst>
+          </p:cNvPr>
+          <p:cNvSpPr>
+            <a:spLocks noGrp="1"/>
+          </p:cNvSpPr>
+          <p:nvPr>
+            <p:ph type="sldNum" sz="quarter" idx="12"/>
+          </p:nvPr>
+        </p:nvSpPr>
+        <p:spPr/>
+        <p:txBody>
+          <a:bodyPr/>
+          <a:lstStyle/>
+          <a:p>
+            <a:fld id="{7B5F8CF4-080C-6448-A4C0-B6A3C5CD13C0}" type="slidenum">
+              <a:rPr lang="en-US" smtClean="0"/>
               <a:t>10</a:t>
             </a:fld>
-            <a:endParaRPr lang="en-GB"/>
+            <a:endParaRPr lang="en-US"/>
           </a:p>
         </p:txBody>
       </p:sp>
@@ -5149,36 +5148,6 @@
           </a:p>
         </p:txBody>
       </p:sp>
-      <p:sp>
-        <p:nvSpPr>
-          <p:cNvPr id="6" name="Slide Number Placeholder 5">
-            <a:extLst>
-              <a:ext uri="{FF2B5EF4-FFF2-40B4-BE49-F238E27FC236}">
-                <a16:creationId xmlns:a16="http://schemas.microsoft.com/office/drawing/2014/main" id="{145F65EE-564C-CB4C-A1B2-99CDFCD97DF8}"/>
-              </a:ext>
-            </a:extLst>
-          </p:cNvPr>
-          <p:cNvSpPr>
-            <a:spLocks noGrp="1"/>
-          </p:cNvSpPr>
-          <p:nvPr>
-            <p:ph type="sldNum" idx="12"/>
-          </p:nvPr>
-        </p:nvSpPr>
-        <p:spPr/>
-        <p:txBody>
-          <a:bodyPr/>
-          <a:lstStyle/>
-          <a:p>
-            <a:fld id="{2C872155-2C61-9C4F-913C-FEC05CAEFC81}" type="slidenum">
-              <a:rPr lang="en-GB" smtClean="0"/>
-              <a:pPr/>
-              <a:t>11</a:t>
-            </a:fld>
-            <a:endParaRPr lang="en-GB"/>
-          </a:p>
-        </p:txBody>
-      </p:sp>
       <p:pic>
         <p:nvPicPr>
           <p:cNvPr id="7" name="Picture 6">
@@ -5209,6 +5178,35 @@
           </a:prstGeom>
         </p:spPr>
       </p:pic>
+      <p:sp>
+        <p:nvSpPr>
+          <p:cNvPr id="4" name="Slide Number Placeholder 3">
+            <a:extLst>
+              <a:ext uri="{FF2B5EF4-FFF2-40B4-BE49-F238E27FC236}">
+                <a16:creationId xmlns:a16="http://schemas.microsoft.com/office/drawing/2014/main" id="{6BC67771-0D9D-384D-B0EF-F2670BF83EC5}"/>
+              </a:ext>
+            </a:extLst>
+          </p:cNvPr>
+          <p:cNvSpPr>
+            <a:spLocks noGrp="1"/>
+          </p:cNvSpPr>
+          <p:nvPr>
+            <p:ph type="sldNum" sz="quarter" idx="12"/>
+          </p:nvPr>
+        </p:nvSpPr>
+        <p:spPr/>
+        <p:txBody>
+          <a:bodyPr/>
+          <a:lstStyle/>
+          <a:p>
+            <a:fld id="{7B5F8CF4-080C-6448-A4C0-B6A3C5CD13C0}" type="slidenum">
+              <a:rPr lang="en-US" smtClean="0"/>
+              <a:t>11</a:t>
+            </a:fld>
+            <a:endParaRPr lang="en-US"/>
+          </a:p>
+        </p:txBody>
+      </p:sp>
     </p:spTree>
     <p:extLst>
       <p:ext uri="{BB962C8B-B14F-4D97-AF65-F5344CB8AC3E}">
@@ -5438,31 +5436,30 @@
       </p:sp>
       <p:sp>
         <p:nvSpPr>
-          <p:cNvPr id="6" name="Slide Number Placeholder 5">
-            <a:extLst>
-              <a:ext uri="{FF2B5EF4-FFF2-40B4-BE49-F238E27FC236}">
-                <a16:creationId xmlns:a16="http://schemas.microsoft.com/office/drawing/2014/main" id="{718A954F-F595-6D43-B82E-33CF8E16487D}"/>
-              </a:ext>
-            </a:extLst>
-          </p:cNvPr>
-          <p:cNvSpPr>
-            <a:spLocks noGrp="1"/>
-          </p:cNvSpPr>
-          <p:nvPr>
-            <p:ph type="sldNum" idx="12"/>
-          </p:nvPr>
-        </p:nvSpPr>
-        <p:spPr/>
-        <p:txBody>
-          <a:bodyPr/>
-          <a:lstStyle/>
-          <a:p>
-            <a:fld id="{2C872155-2C61-9C4F-913C-FEC05CAEFC81}" type="slidenum">
-              <a:rPr lang="en-GB" smtClean="0"/>
-              <a:pPr/>
+          <p:cNvPr id="4" name="Slide Number Placeholder 3">
+            <a:extLst>
+              <a:ext uri="{FF2B5EF4-FFF2-40B4-BE49-F238E27FC236}">
+                <a16:creationId xmlns:a16="http://schemas.microsoft.com/office/drawing/2014/main" id="{AE3AC2FE-0112-6E41-A02F-7188EF7F5E6A}"/>
+              </a:ext>
+            </a:extLst>
+          </p:cNvPr>
+          <p:cNvSpPr>
+            <a:spLocks noGrp="1"/>
+          </p:cNvSpPr>
+          <p:nvPr>
+            <p:ph type="sldNum" sz="quarter" idx="12"/>
+          </p:nvPr>
+        </p:nvSpPr>
+        <p:spPr/>
+        <p:txBody>
+          <a:bodyPr/>
+          <a:lstStyle/>
+          <a:p>
+            <a:fld id="{7B5F8CF4-080C-6448-A4C0-B6A3C5CD13C0}" type="slidenum">
+              <a:rPr lang="en-US" smtClean="0"/>
               <a:t>12</a:t>
             </a:fld>
-            <a:endParaRPr lang="en-GB"/>
+            <a:endParaRPr lang="en-US"/>
           </a:p>
         </p:txBody>
       </p:sp>
@@ -5587,36 +5584,6 @@
           </a:p>
         </p:txBody>
       </p:sp>
-      <p:sp>
-        <p:nvSpPr>
-          <p:cNvPr id="6" name="Slide Number Placeholder 5">
-            <a:extLst>
-              <a:ext uri="{FF2B5EF4-FFF2-40B4-BE49-F238E27FC236}">
-                <a16:creationId xmlns:a16="http://schemas.microsoft.com/office/drawing/2014/main" id="{4637C848-797D-EF49-B336-F86785CB9FB1}"/>
-              </a:ext>
-            </a:extLst>
-          </p:cNvPr>
-          <p:cNvSpPr>
-            <a:spLocks noGrp="1"/>
-          </p:cNvSpPr>
-          <p:nvPr>
-            <p:ph type="sldNum" idx="12"/>
-          </p:nvPr>
-        </p:nvSpPr>
-        <p:spPr/>
-        <p:txBody>
-          <a:bodyPr/>
-          <a:lstStyle/>
-          <a:p>
-            <a:fld id="{2C872155-2C61-9C4F-913C-FEC05CAEFC81}" type="slidenum">
-              <a:rPr lang="en-GB" smtClean="0"/>
-              <a:pPr/>
-              <a:t>13</a:t>
-            </a:fld>
-            <a:endParaRPr lang="en-GB"/>
-          </a:p>
-        </p:txBody>
-      </p:sp>
       <p:pic>
         <p:nvPicPr>
           <p:cNvPr id="7" name="Picture 6">
@@ -5647,6 +5614,35 @@
           </a:prstGeom>
         </p:spPr>
       </p:pic>
+      <p:sp>
+        <p:nvSpPr>
+          <p:cNvPr id="4" name="Slide Number Placeholder 3">
+            <a:extLst>
+              <a:ext uri="{FF2B5EF4-FFF2-40B4-BE49-F238E27FC236}">
+                <a16:creationId xmlns:a16="http://schemas.microsoft.com/office/drawing/2014/main" id="{AD0B2D6C-EBBA-DA46-825C-B20D01945593}"/>
+              </a:ext>
+            </a:extLst>
+          </p:cNvPr>
+          <p:cNvSpPr>
+            <a:spLocks noGrp="1"/>
+          </p:cNvSpPr>
+          <p:nvPr>
+            <p:ph type="sldNum" sz="quarter" idx="12"/>
+          </p:nvPr>
+        </p:nvSpPr>
+        <p:spPr/>
+        <p:txBody>
+          <a:bodyPr/>
+          <a:lstStyle/>
+          <a:p>
+            <a:fld id="{7B5F8CF4-080C-6448-A4C0-B6A3C5CD13C0}" type="slidenum">
+              <a:rPr lang="en-US" smtClean="0"/>
+              <a:t>13</a:t>
+            </a:fld>
+            <a:endParaRPr lang="en-US"/>
+          </a:p>
+        </p:txBody>
+      </p:sp>
     </p:spTree>
     <p:extLst>
       <p:ext uri="{BB962C8B-B14F-4D97-AF65-F5344CB8AC3E}">
@@ -5692,14 +5688,14 @@
           <a:ln/>
           <a:extLst>
             <a:ext uri="{909E8E84-426E-40dd-AFC4-6F175D3DCCD1}">
-              <a14:hiddenFill xmlns="" xmlns:a14="http://schemas.microsoft.com/office/drawing/2010/main">
+              <a14:hiddenFill xmlns:a14="http://schemas.microsoft.com/office/drawing/2010/main" xmlns="">
                 <a:solidFill>
                   <a:srgbClr val="FFFFFF"/>
                 </a:solidFill>
               </a14:hiddenFill>
             </a:ext>
             <a:ext uri="{91240B29-F687-4f45-9708-019B960494DF}">
-              <a14:hiddenLine xmlns="" xmlns:a14="http://schemas.microsoft.com/office/drawing/2010/main" w="9525">
+              <a14:hiddenLine xmlns:a14="http://schemas.microsoft.com/office/drawing/2010/main" xmlns="" w="9525">
                 <a:solidFill>
                   <a:srgbClr val="000000"/>
                 </a:solidFill>
@@ -5839,168 +5835,6 @@
       </p:sp>
       <p:sp>
         <p:nvSpPr>
-          <p:cNvPr id="5124" name="Slide Number Placeholder 6"/>
-          <p:cNvSpPr>
-            <a:spLocks noGrp="1"/>
-          </p:cNvSpPr>
-          <p:nvPr>
-            <p:ph type="sldNum" sz="quarter" idx="12"/>
-          </p:nvPr>
-        </p:nvSpPr>
-        <p:spPr>
-          <a:noFill/>
-          <a:ln/>
-          <a:extLst>
-            <a:ext uri="{909E8E84-426E-40dd-AFC4-6F175D3DCCD1}">
-              <a14:hiddenFill xmlns="" xmlns:a14="http://schemas.microsoft.com/office/drawing/2010/main">
-                <a:solidFill>
-                  <a:srgbClr val="FFFFFF"/>
-                </a:solidFill>
-              </a14:hiddenFill>
-            </a:ext>
-            <a:ext uri="{91240B29-F687-4f45-9708-019B960494DF}">
-              <a14:hiddenLine xmlns="" xmlns:a14="http://schemas.microsoft.com/office/drawing/2010/main" w="9525">
-                <a:solidFill>
-                  <a:srgbClr val="000000"/>
-                </a:solidFill>
-                <a:miter lim="800000"/>
-                <a:headEnd/>
-                <a:tailEnd/>
-              </a14:hiddenLine>
-            </a:ext>
-          </a:extLst>
-        </p:spPr>
-        <p:txBody>
-          <a:bodyPr/>
-          <a:lstStyle>
-            <a:lvl1pPr eaLnBrk="0" hangingPunct="0">
-              <a:defRPr>
-                <a:solidFill>
-                  <a:schemeClr val="tx1"/>
-                </a:solidFill>
-                <a:latin typeface="Arial" charset="0"/>
-                <a:ea typeface="ＭＳ Ｐゴシック" charset="0"/>
-                <a:cs typeface="Arial" charset="0"/>
-              </a:defRPr>
-            </a:lvl1pPr>
-            <a:lvl2pPr marL="742950" indent="-285750" eaLnBrk="0" hangingPunct="0">
-              <a:defRPr>
-                <a:solidFill>
-                  <a:schemeClr val="tx1"/>
-                </a:solidFill>
-                <a:latin typeface="Arial" charset="0"/>
-                <a:ea typeface="Arial" charset="0"/>
-                <a:cs typeface="Arial" charset="0"/>
-              </a:defRPr>
-            </a:lvl2pPr>
-            <a:lvl3pPr marL="1143000" indent="-228600" eaLnBrk="0" hangingPunct="0">
-              <a:defRPr>
-                <a:solidFill>
-                  <a:schemeClr val="tx1"/>
-                </a:solidFill>
-                <a:latin typeface="Arial" charset="0"/>
-                <a:ea typeface="Arial" charset="0"/>
-                <a:cs typeface="Arial" charset="0"/>
-              </a:defRPr>
-            </a:lvl3pPr>
-            <a:lvl4pPr marL="1600200" indent="-228600" eaLnBrk="0" hangingPunct="0">
-              <a:defRPr>
-                <a:solidFill>
-                  <a:schemeClr val="tx1"/>
-                </a:solidFill>
-                <a:latin typeface="Arial" charset="0"/>
-                <a:ea typeface="Arial" charset="0"/>
-                <a:cs typeface="Arial" charset="0"/>
-              </a:defRPr>
-            </a:lvl4pPr>
-            <a:lvl5pPr marL="2057400" indent="-228600" eaLnBrk="0" hangingPunct="0">
-              <a:defRPr>
-                <a:solidFill>
-                  <a:schemeClr val="tx1"/>
-                </a:solidFill>
-                <a:latin typeface="Arial" charset="0"/>
-                <a:ea typeface="Arial" charset="0"/>
-                <a:cs typeface="Arial" charset="0"/>
-              </a:defRPr>
-            </a:lvl5pPr>
-            <a:lvl6pPr marL="2514600" indent="-228600" eaLnBrk="0" fontAlgn="base" hangingPunct="0">
-              <a:spcBef>
-                <a:spcPct val="0"/>
-              </a:spcBef>
-              <a:spcAft>
-                <a:spcPct val="0"/>
-              </a:spcAft>
-              <a:defRPr>
-                <a:solidFill>
-                  <a:schemeClr val="tx1"/>
-                </a:solidFill>
-                <a:latin typeface="Arial" charset="0"/>
-                <a:ea typeface="Arial" charset="0"/>
-                <a:cs typeface="Arial" charset="0"/>
-              </a:defRPr>
-            </a:lvl6pPr>
-            <a:lvl7pPr marL="2971800" indent="-228600" eaLnBrk="0" fontAlgn="base" hangingPunct="0">
-              <a:spcBef>
-                <a:spcPct val="0"/>
-              </a:spcBef>
-              <a:spcAft>
-                <a:spcPct val="0"/>
-              </a:spcAft>
-              <a:defRPr>
-                <a:solidFill>
-                  <a:schemeClr val="tx1"/>
-                </a:solidFill>
-                <a:latin typeface="Arial" charset="0"/>
-                <a:ea typeface="Arial" charset="0"/>
-                <a:cs typeface="Arial" charset="0"/>
-              </a:defRPr>
-            </a:lvl7pPr>
-            <a:lvl8pPr marL="3429000" indent="-228600" eaLnBrk="0" fontAlgn="base" hangingPunct="0">
-              <a:spcBef>
-                <a:spcPct val="0"/>
-              </a:spcBef>
-              <a:spcAft>
-                <a:spcPct val="0"/>
-              </a:spcAft>
-              <a:defRPr>
-                <a:solidFill>
-                  <a:schemeClr val="tx1"/>
-                </a:solidFill>
-                <a:latin typeface="Arial" charset="0"/>
-                <a:ea typeface="Arial" charset="0"/>
-                <a:cs typeface="Arial" charset="0"/>
-              </a:defRPr>
-            </a:lvl8pPr>
-            <a:lvl9pPr marL="3886200" indent="-228600" eaLnBrk="0" fontAlgn="base" hangingPunct="0">
-              <a:spcBef>
-                <a:spcPct val="0"/>
-              </a:spcBef>
-              <a:spcAft>
-                <a:spcPct val="0"/>
-              </a:spcAft>
-              <a:defRPr>
-                <a:solidFill>
-                  <a:schemeClr val="tx1"/>
-                </a:solidFill>
-                <a:latin typeface="Arial" charset="0"/>
-                <a:ea typeface="Arial" charset="0"/>
-                <a:cs typeface="Arial" charset="0"/>
-              </a:defRPr>
-            </a:lvl9pPr>
-          </a:lstStyle>
-          <a:p>
-            <a:pPr eaLnBrk="1" hangingPunct="1"/>
-            <a:fld id="{9EDFE460-6726-BD41-B5CA-93386AFD3AD8}" type="slidenum">
-              <a:rPr lang="en-US"/>
-              <a:pPr eaLnBrk="1" hangingPunct="1"/>
-              <a:t>14</a:t>
-            </a:fld>
-            <a:endParaRPr lang="en-US"/>
-          </a:p>
-        </p:txBody>
-      </p:sp>
-      <p:sp>
-        <p:nvSpPr>
           <p:cNvPr id="5125" name="Rectangle 2"/>
           <p:cNvSpPr>
             <a:spLocks noGrp="1" noChangeArrowheads="1"/>
@@ -6219,6 +6053,35 @@
           </a:prstGeom>
         </p:spPr>
       </p:pic>
+      <p:sp>
+        <p:nvSpPr>
+          <p:cNvPr id="3" name="Slide Number Placeholder 2">
+            <a:extLst>
+              <a:ext uri="{FF2B5EF4-FFF2-40B4-BE49-F238E27FC236}">
+                <a16:creationId xmlns:a16="http://schemas.microsoft.com/office/drawing/2014/main" id="{AB1BC40E-7753-7240-8A40-83877D9CA109}"/>
+              </a:ext>
+            </a:extLst>
+          </p:cNvPr>
+          <p:cNvSpPr>
+            <a:spLocks noGrp="1"/>
+          </p:cNvSpPr>
+          <p:nvPr>
+            <p:ph type="sldNum" sz="quarter" idx="12"/>
+          </p:nvPr>
+        </p:nvSpPr>
+        <p:spPr/>
+        <p:txBody>
+          <a:bodyPr/>
+          <a:lstStyle/>
+          <a:p>
+            <a:fld id="{7B5F8CF4-080C-6448-A4C0-B6A3C5CD13C0}" type="slidenum">
+              <a:rPr lang="en-US" smtClean="0"/>
+              <a:t>14</a:t>
+            </a:fld>
+            <a:endParaRPr lang="en-US"/>
+          </a:p>
+        </p:txBody>
+      </p:sp>
     </p:spTree>
     <p:extLst>
       <p:ext uri="{BB962C8B-B14F-4D97-AF65-F5344CB8AC3E}">
@@ -6345,25 +6208,30 @@
       </p:sp>
       <p:sp>
         <p:nvSpPr>
-          <p:cNvPr id="6" name="Slide Number Placeholder 5"/>
-          <p:cNvSpPr>
-            <a:spLocks noGrp="1"/>
-          </p:cNvSpPr>
-          <p:nvPr>
-            <p:ph type="sldNum" idx="12"/>
-          </p:nvPr>
-        </p:nvSpPr>
-        <p:spPr/>
-        <p:txBody>
-          <a:bodyPr/>
-          <a:lstStyle/>
-          <a:p>
-            <a:fld id="{2C872155-2C61-9C4F-913C-FEC05CAEFC81}" type="slidenum">
-              <a:rPr lang="en-GB" smtClean="0"/>
-              <a:pPr/>
+          <p:cNvPr id="4" name="Slide Number Placeholder 3">
+            <a:extLst>
+              <a:ext uri="{FF2B5EF4-FFF2-40B4-BE49-F238E27FC236}">
+                <a16:creationId xmlns:a16="http://schemas.microsoft.com/office/drawing/2014/main" id="{4BB1ECA8-C6E6-504C-94A2-FC6362B4DA40}"/>
+              </a:ext>
+            </a:extLst>
+          </p:cNvPr>
+          <p:cNvSpPr>
+            <a:spLocks noGrp="1"/>
+          </p:cNvSpPr>
+          <p:nvPr>
+            <p:ph type="sldNum" sz="quarter" idx="12"/>
+          </p:nvPr>
+        </p:nvSpPr>
+        <p:spPr/>
+        <p:txBody>
+          <a:bodyPr/>
+          <a:lstStyle/>
+          <a:p>
+            <a:fld id="{7B5F8CF4-080C-6448-A4C0-B6A3C5CD13C0}" type="slidenum">
+              <a:rPr lang="en-US" smtClean="0"/>
               <a:t>15</a:t>
             </a:fld>
-            <a:endParaRPr lang="en-GB"/>
+            <a:endParaRPr lang="en-US"/>
           </a:p>
         </p:txBody>
       </p:sp>
@@ -6487,25 +6355,30 @@
       </p:sp>
       <p:sp>
         <p:nvSpPr>
-          <p:cNvPr id="6" name="Slide Number Placeholder 5"/>
-          <p:cNvSpPr>
-            <a:spLocks noGrp="1"/>
-          </p:cNvSpPr>
-          <p:nvPr>
-            <p:ph type="sldNum" idx="12"/>
-          </p:nvPr>
-        </p:nvSpPr>
-        <p:spPr/>
-        <p:txBody>
-          <a:bodyPr/>
-          <a:lstStyle/>
-          <a:p>
-            <a:fld id="{2C872155-2C61-9C4F-913C-FEC05CAEFC81}" type="slidenum">
-              <a:rPr lang="en-GB" smtClean="0"/>
-              <a:pPr/>
+          <p:cNvPr id="4" name="Slide Number Placeholder 3">
+            <a:extLst>
+              <a:ext uri="{FF2B5EF4-FFF2-40B4-BE49-F238E27FC236}">
+                <a16:creationId xmlns:a16="http://schemas.microsoft.com/office/drawing/2014/main" id="{B206DA38-88CD-A644-98FE-297A35A09109}"/>
+              </a:ext>
+            </a:extLst>
+          </p:cNvPr>
+          <p:cNvSpPr>
+            <a:spLocks noGrp="1"/>
+          </p:cNvSpPr>
+          <p:nvPr>
+            <p:ph type="sldNum" sz="quarter" idx="12"/>
+          </p:nvPr>
+        </p:nvSpPr>
+        <p:spPr/>
+        <p:txBody>
+          <a:bodyPr/>
+          <a:lstStyle/>
+          <a:p>
+            <a:fld id="{7B5F8CF4-080C-6448-A4C0-B6A3C5CD13C0}" type="slidenum">
+              <a:rPr lang="en-US" smtClean="0"/>
               <a:t>16</a:t>
             </a:fld>
-            <a:endParaRPr lang="en-GB"/>
+            <a:endParaRPr lang="en-US"/>
           </a:p>
         </p:txBody>
       </p:sp>
@@ -6669,31 +6542,30 @@
       </p:sp>
       <p:sp>
         <p:nvSpPr>
-          <p:cNvPr id="6" name="Slide Number Placeholder 5">
-            <a:extLst>
-              <a:ext uri="{FF2B5EF4-FFF2-40B4-BE49-F238E27FC236}">
-                <a16:creationId xmlns:a16="http://schemas.microsoft.com/office/drawing/2014/main" id="{FCCFE5DE-36C2-1841-87B1-ECC0BC812CFC}"/>
-              </a:ext>
-            </a:extLst>
-          </p:cNvPr>
-          <p:cNvSpPr>
-            <a:spLocks noGrp="1"/>
-          </p:cNvSpPr>
-          <p:nvPr>
-            <p:ph type="sldNum" idx="12"/>
-          </p:nvPr>
-        </p:nvSpPr>
-        <p:spPr/>
-        <p:txBody>
-          <a:bodyPr/>
-          <a:lstStyle/>
-          <a:p>
-            <a:fld id="{2C872155-2C61-9C4F-913C-FEC05CAEFC81}" type="slidenum">
-              <a:rPr lang="en-GB" smtClean="0"/>
-              <a:pPr/>
+          <p:cNvPr id="4" name="Slide Number Placeholder 3">
+            <a:extLst>
+              <a:ext uri="{FF2B5EF4-FFF2-40B4-BE49-F238E27FC236}">
+                <a16:creationId xmlns:a16="http://schemas.microsoft.com/office/drawing/2014/main" id="{67075D96-2850-B642-90DD-68420221F4DC}"/>
+              </a:ext>
+            </a:extLst>
+          </p:cNvPr>
+          <p:cNvSpPr>
+            <a:spLocks noGrp="1"/>
+          </p:cNvSpPr>
+          <p:nvPr>
+            <p:ph type="sldNum" sz="quarter" idx="12"/>
+          </p:nvPr>
+        </p:nvSpPr>
+        <p:spPr/>
+        <p:txBody>
+          <a:bodyPr/>
+          <a:lstStyle/>
+          <a:p>
+            <a:fld id="{7B5F8CF4-080C-6448-A4C0-B6A3C5CD13C0}" type="slidenum">
+              <a:rPr lang="en-US" smtClean="0"/>
               <a:t>17</a:t>
             </a:fld>
-            <a:endParaRPr lang="en-GB"/>
+            <a:endParaRPr lang="en-US"/>
           </a:p>
         </p:txBody>
       </p:sp>
@@ -6884,10 +6756,10 @@
       </p:sp>
       <p:sp>
         <p:nvSpPr>
-          <p:cNvPr id="6" name="Slide Number Placeholder 5">
-            <a:extLst>
-              <a:ext uri="{FF2B5EF4-FFF2-40B4-BE49-F238E27FC236}">
-                <a16:creationId xmlns:a16="http://schemas.microsoft.com/office/drawing/2014/main" id="{0F7769E0-9808-3448-9C9D-F5E94778325E}"/>
+          <p:cNvPr id="4" name="Slide Number Placeholder 3">
+            <a:extLst>
+              <a:ext uri="{FF2B5EF4-FFF2-40B4-BE49-F238E27FC236}">
+                <a16:creationId xmlns:a16="http://schemas.microsoft.com/office/drawing/2014/main" id="{D73F9D94-D84C-2B47-A871-DC1B81B2B02B}"/>
               </a:ext>
             </a:extLst>
           </p:cNvPr>
@@ -6903,12 +6775,11 @@
           <a:bodyPr/>
           <a:lstStyle/>
           <a:p>
-            <a:fld id="{2C872155-2C61-9C4F-913C-FEC05CAEFC81}" type="slidenum">
-              <a:rPr lang="en-GB" smtClean="0"/>
-              <a:pPr/>
+            <a:fld id="{7B5F8CF4-080C-6448-A4C0-B6A3C5CD13C0}" type="slidenum">
+              <a:rPr lang="en-US" smtClean="0"/>
               <a:t>18</a:t>
             </a:fld>
-            <a:endParaRPr lang="en-GB"/>
+            <a:endParaRPr lang="en-US"/>
           </a:p>
         </p:txBody>
       </p:sp>
@@ -7041,36 +6912,6 @@
           </a:p>
         </p:txBody>
       </p:sp>
-      <p:sp>
-        <p:nvSpPr>
-          <p:cNvPr id="6" name="Slide Number Placeholder 5">
-            <a:extLst>
-              <a:ext uri="{FF2B5EF4-FFF2-40B4-BE49-F238E27FC236}">
-                <a16:creationId xmlns:a16="http://schemas.microsoft.com/office/drawing/2014/main" id="{F098FAA4-B577-5D46-B1E3-9135C91FD128}"/>
-              </a:ext>
-            </a:extLst>
-          </p:cNvPr>
-          <p:cNvSpPr>
-            <a:spLocks noGrp="1"/>
-          </p:cNvSpPr>
-          <p:nvPr>
-            <p:ph type="sldNum" idx="12"/>
-          </p:nvPr>
-        </p:nvSpPr>
-        <p:spPr/>
-        <p:txBody>
-          <a:bodyPr/>
-          <a:lstStyle/>
-          <a:p>
-            <a:fld id="{2C872155-2C61-9C4F-913C-FEC05CAEFC81}" type="slidenum">
-              <a:rPr lang="en-GB" smtClean="0"/>
-              <a:pPr/>
-              <a:t>19</a:t>
-            </a:fld>
-            <a:endParaRPr lang="en-GB"/>
-          </a:p>
-        </p:txBody>
-      </p:sp>
       <p:pic>
         <p:nvPicPr>
           <p:cNvPr id="10" name="Picture 9">
@@ -7101,6 +6942,35 @@
           </a:prstGeom>
         </p:spPr>
       </p:pic>
+      <p:sp>
+        <p:nvSpPr>
+          <p:cNvPr id="4" name="Slide Number Placeholder 3">
+            <a:extLst>
+              <a:ext uri="{FF2B5EF4-FFF2-40B4-BE49-F238E27FC236}">
+                <a16:creationId xmlns:a16="http://schemas.microsoft.com/office/drawing/2014/main" id="{6D5B0D34-9BE8-5445-BBA9-0A293C40DED9}"/>
+              </a:ext>
+            </a:extLst>
+          </p:cNvPr>
+          <p:cNvSpPr>
+            <a:spLocks noGrp="1"/>
+          </p:cNvSpPr>
+          <p:nvPr>
+            <p:ph type="sldNum" sz="quarter" idx="12"/>
+          </p:nvPr>
+        </p:nvSpPr>
+        <p:spPr/>
+        <p:txBody>
+          <a:bodyPr/>
+          <a:lstStyle/>
+          <a:p>
+            <a:fld id="{7B5F8CF4-080C-6448-A4C0-B6A3C5CD13C0}" type="slidenum">
+              <a:rPr lang="en-US" smtClean="0"/>
+              <a:t>19</a:t>
+            </a:fld>
+            <a:endParaRPr lang="en-US"/>
+          </a:p>
+        </p:txBody>
+      </p:sp>
     </p:spTree>
     <p:extLst>
       <p:ext uri="{BB962C8B-B14F-4D97-AF65-F5344CB8AC3E}">
@@ -7359,14 +7229,14 @@
           <a:ln/>
           <a:extLst>
             <a:ext uri="{909E8E84-426E-40dd-AFC4-6F175D3DCCD1}">
-              <a14:hiddenFill xmlns="" xmlns:a14="http://schemas.microsoft.com/office/drawing/2010/main">
+              <a14:hiddenFill xmlns:a14="http://schemas.microsoft.com/office/drawing/2010/main" xmlns="">
                 <a:solidFill>
                   <a:srgbClr val="FFFFFF"/>
                 </a:solidFill>
               </a14:hiddenFill>
             </a:ext>
             <a:ext uri="{91240B29-F687-4f45-9708-019B960494DF}">
-              <a14:hiddenLine xmlns="" xmlns:a14="http://schemas.microsoft.com/office/drawing/2010/main" w="9525">
+              <a14:hiddenLine xmlns:a14="http://schemas.microsoft.com/office/drawing/2010/main" xmlns="" w="9525">
                 <a:solidFill>
                   <a:srgbClr val="000000"/>
                 </a:solidFill>
@@ -7668,12 +7538,287 @@
       </p:sp>
       <p:sp>
         <p:nvSpPr>
-          <p:cNvPr id="2052" name="Slide Number Placeholder 5"/>
+          <p:cNvPr id="2" name="Slide Number Placeholder 1">
+            <a:extLst>
+              <a:ext uri="{FF2B5EF4-FFF2-40B4-BE49-F238E27FC236}">
+                <a16:creationId xmlns:a16="http://schemas.microsoft.com/office/drawing/2014/main" id="{86F9DC71-BC89-4F4A-ACF2-A083D8201129}"/>
+              </a:ext>
+            </a:extLst>
+          </p:cNvPr>
           <p:cNvSpPr>
             <a:spLocks noGrp="1"/>
           </p:cNvSpPr>
           <p:nvPr>
             <p:ph type="sldNum" sz="quarter" idx="12"/>
+          </p:nvPr>
+        </p:nvSpPr>
+        <p:spPr/>
+        <p:txBody>
+          <a:bodyPr/>
+          <a:lstStyle/>
+          <a:p>
+            <a:fld id="{7B5F8CF4-080C-6448-A4C0-B6A3C5CD13C0}" type="slidenum">
+              <a:rPr lang="en-US" smtClean="0"/>
+              <a:t>2</a:t>
+            </a:fld>
+            <a:endParaRPr lang="en-US"/>
+          </a:p>
+        </p:txBody>
+      </p:sp>
+    </p:spTree>
+    <p:extLst>
+      <p:ext uri="{BB962C8B-B14F-4D97-AF65-F5344CB8AC3E}">
+        <p14:creationId xmlns:p14="http://schemas.microsoft.com/office/powerpoint/2010/main" val="3594671114"/>
+      </p:ext>
+    </p:extLst>
+  </p:cSld>
+  <p:clrMapOvr>
+    <a:masterClrMapping/>
+  </p:clrMapOvr>
+  <p:transition spd="med"/>
+  <p:timing>
+    <p:tnLst>
+      <p:par>
+        <p:cTn id="1" dur="indefinite" restart="never" nodeType="tmRoot">
+          <p:childTnLst>
+            <p:seq concurrent="1" nextAc="seek">
+              <p:cTn id="2" dur="0" nodeType="mainSeq"/>
+              <p:prevCondLst>
+                <p:cond evt="onPrev" delay="0">
+                  <p:tgtEl>
+                    <p:sldTgt/>
+                  </p:tgtEl>
+                </p:cond>
+              </p:prevCondLst>
+              <p:nextCondLst>
+                <p:cond evt="onNext" delay="0">
+                  <p:tgtEl>
+                    <p:sldTgt/>
+                  </p:tgtEl>
+                </p:cond>
+              </p:nextCondLst>
+            </p:seq>
+          </p:childTnLst>
+        </p:cTn>
+      </p:par>
+    </p:tnLst>
+  </p:timing>
+</p:sld>
+</file>
+
+<file path=ppt/slides/slide20.xml><?xml version="1.0" encoding="utf-8"?>
+<p:sld xmlns:a="http://schemas.openxmlformats.org/drawingml/2006/main" xmlns:r="http://schemas.openxmlformats.org/officeDocument/2006/relationships" xmlns:p="http://schemas.openxmlformats.org/presentationml/2006/main">
+  <p:cSld>
+    <p:spTree>
+      <p:nvGrpSpPr>
+        <p:cNvPr id="1" name=""/>
+        <p:cNvGrpSpPr/>
+        <p:nvPr/>
+      </p:nvGrpSpPr>
+      <p:grpSpPr>
+        <a:xfrm>
+          <a:off x="0" y="0"/>
+          <a:ext cx="0" cy="0"/>
+          <a:chOff x="0" y="0"/>
+          <a:chExt cx="0" cy="0"/>
+        </a:xfrm>
+      </p:grpSpPr>
+      <p:sp>
+        <p:nvSpPr>
+          <p:cNvPr id="2" name="Title 1">
+            <a:extLst>
+              <a:ext uri="{FF2B5EF4-FFF2-40B4-BE49-F238E27FC236}">
+                <a16:creationId xmlns:a16="http://schemas.microsoft.com/office/drawing/2014/main" id="{91FED534-EDE6-A445-BFE5-1B96E11CD136}"/>
+              </a:ext>
+            </a:extLst>
+          </p:cNvPr>
+          <p:cNvSpPr>
+            <a:spLocks noGrp="1"/>
+          </p:cNvSpPr>
+          <p:nvPr>
+            <p:ph type="title"/>
+          </p:nvPr>
+        </p:nvSpPr>
+        <p:spPr/>
+        <p:txBody>
+          <a:bodyPr/>
+          <a:lstStyle/>
+          <a:p>
+            <a:r>
+              <a:rPr lang="en-US" dirty="0"/>
+              <a:t>Finite Waiting Room (</a:t>
+            </a:r>
+            <a:r>
+              <a:rPr lang="en-US" dirty="0" err="1"/>
+              <a:t>cont</a:t>
+            </a:r>
+            <a:r>
+              <a:rPr lang="en-US" dirty="0"/>
+              <a:t>)</a:t>
+            </a:r>
+          </a:p>
+        </p:txBody>
+      </p:sp>
+      <p:sp>
+        <p:nvSpPr>
+          <p:cNvPr id="3" name="Content Placeholder 2">
+            <a:extLst>
+              <a:ext uri="{FF2B5EF4-FFF2-40B4-BE49-F238E27FC236}">
+                <a16:creationId xmlns:a16="http://schemas.microsoft.com/office/drawing/2014/main" id="{834D944B-B806-AB44-AE55-46C956FC0BA4}"/>
+              </a:ext>
+            </a:extLst>
+          </p:cNvPr>
+          <p:cNvSpPr>
+            <a:spLocks noGrp="1"/>
+          </p:cNvSpPr>
+          <p:nvPr>
+            <p:ph idx="1"/>
+          </p:nvPr>
+        </p:nvSpPr>
+        <p:spPr/>
+        <p:txBody>
+          <a:bodyPr/>
+          <a:lstStyle/>
+          <a:p>
+            <a:pPr marL="514350" indent="-514350">
+              <a:buFont typeface="+mj-lt"/>
+              <a:buAutoNum type="arabicPeriod" startAt="4"/>
+            </a:pPr>
+            <a:r>
+              <a:rPr lang="en-US" dirty="0"/>
+              <a:t>Write scheduling relationships as edges</a:t>
+            </a:r>
+          </a:p>
+        </p:txBody>
+      </p:sp>
+      <p:sp>
+        <p:nvSpPr>
+          <p:cNvPr id="5" name="Footer Placeholder 4">
+            <a:extLst>
+              <a:ext uri="{FF2B5EF4-FFF2-40B4-BE49-F238E27FC236}">
+                <a16:creationId xmlns:a16="http://schemas.microsoft.com/office/drawing/2014/main" id="{8A3BFE7E-A448-DA44-96A0-22505E1AA1B5}"/>
+              </a:ext>
+            </a:extLst>
+          </p:cNvPr>
+          <p:cNvSpPr>
+            <a:spLocks noGrp="1"/>
+          </p:cNvSpPr>
+          <p:nvPr>
+            <p:ph type="ftr" idx="11"/>
+          </p:nvPr>
+        </p:nvSpPr>
+        <p:spPr/>
+        <p:txBody>
+          <a:bodyPr/>
+          <a:lstStyle/>
+          <a:p>
+            <a:pPr>
+              <a:defRPr/>
+            </a:pPr>
+            <a:r>
+              <a:rPr lang="en-GB"/>
+              <a:t>DES Short Course - Session 4</a:t>
+            </a:r>
+          </a:p>
+        </p:txBody>
+      </p:sp>
+      <p:pic>
+        <p:nvPicPr>
+          <p:cNvPr id="7" name="Picture 6">
+            <a:extLst>
+              <a:ext uri="{FF2B5EF4-FFF2-40B4-BE49-F238E27FC236}">
+                <a16:creationId xmlns:a16="http://schemas.microsoft.com/office/drawing/2014/main" id="{5376520E-AEDF-BB40-AD11-9D6D75BAE6DD}"/>
+              </a:ext>
+            </a:extLst>
+          </p:cNvPr>
+          <p:cNvPicPr>
+            <a:picLocks noChangeAspect="1"/>
+          </p:cNvPicPr>
+          <p:nvPr/>
+        </p:nvPicPr>
+        <p:blipFill>
+          <a:blip r:embed="rId3"/>
+          <a:stretch>
+            <a:fillRect/>
+          </a:stretch>
+        </p:blipFill>
+        <p:spPr>
+          <a:xfrm>
+            <a:off x="1714500" y="2438400"/>
+            <a:ext cx="8763000" cy="3208986"/>
+          </a:xfrm>
+          <a:prstGeom prst="rect">
+            <a:avLst/>
+          </a:prstGeom>
+        </p:spPr>
+      </p:pic>
+      <p:sp>
+        <p:nvSpPr>
+          <p:cNvPr id="4" name="Slide Number Placeholder 3">
+            <a:extLst>
+              <a:ext uri="{FF2B5EF4-FFF2-40B4-BE49-F238E27FC236}">
+                <a16:creationId xmlns:a16="http://schemas.microsoft.com/office/drawing/2014/main" id="{3EBF0843-8BA4-8E4B-8615-50831ACB47C8}"/>
+              </a:ext>
+            </a:extLst>
+          </p:cNvPr>
+          <p:cNvSpPr>
+            <a:spLocks noGrp="1"/>
+          </p:cNvSpPr>
+          <p:nvPr>
+            <p:ph type="sldNum" sz="quarter" idx="12"/>
+          </p:nvPr>
+        </p:nvSpPr>
+        <p:spPr/>
+        <p:txBody>
+          <a:bodyPr/>
+          <a:lstStyle/>
+          <a:p>
+            <a:fld id="{7B5F8CF4-080C-6448-A4C0-B6A3C5CD13C0}" type="slidenum">
+              <a:rPr lang="en-US" smtClean="0"/>
+              <a:t>20</a:t>
+            </a:fld>
+            <a:endParaRPr lang="en-US"/>
+          </a:p>
+        </p:txBody>
+      </p:sp>
+    </p:spTree>
+    <p:extLst>
+      <p:ext uri="{BB962C8B-B14F-4D97-AF65-F5344CB8AC3E}">
+        <p14:creationId xmlns:p14="http://schemas.microsoft.com/office/powerpoint/2010/main" val="798405341"/>
+      </p:ext>
+    </p:extLst>
+  </p:cSld>
+  <p:clrMapOvr>
+    <a:masterClrMapping/>
+  </p:clrMapOvr>
+</p:sld>
+</file>
+
+<file path=ppt/slides/slide21.xml><?xml version="1.0" encoding="utf-8"?>
+<p:sld xmlns:a="http://schemas.openxmlformats.org/drawingml/2006/main" xmlns:r="http://schemas.openxmlformats.org/officeDocument/2006/relationships" xmlns:p="http://schemas.openxmlformats.org/presentationml/2006/main">
+  <p:cSld>
+    <p:spTree>
+      <p:nvGrpSpPr>
+        <p:cNvPr id="1" name=""/>
+        <p:cNvGrpSpPr/>
+        <p:nvPr/>
+      </p:nvGrpSpPr>
+      <p:grpSpPr>
+        <a:xfrm>
+          <a:off x="0" y="0"/>
+          <a:ext cx="0" cy="0"/>
+          <a:chOff x="0" y="0"/>
+          <a:chExt cx="0" cy="0"/>
+        </a:xfrm>
+      </p:grpSpPr>
+      <p:sp>
+        <p:nvSpPr>
+          <p:cNvPr id="4099" name="Footer Placeholder 4"/>
+          <p:cNvSpPr>
+            <a:spLocks noGrp="1"/>
+          </p:cNvSpPr>
+          <p:nvPr>
+            <p:ph type="ftr" sz="quarter" idx="11"/>
           </p:nvPr>
         </p:nvSpPr>
         <p:spPr>
@@ -7681,14 +7826,14 @@
           <a:ln/>
           <a:extLst>
             <a:ext uri="{909E8E84-426E-40dd-AFC4-6F175D3DCCD1}">
-              <a14:hiddenFill xmlns="" xmlns:a14="http://schemas.microsoft.com/office/drawing/2010/main">
+              <a14:hiddenFill xmlns:a14="http://schemas.microsoft.com/office/drawing/2010/main" xmlns="">
                 <a:solidFill>
                   <a:srgbClr val="FFFFFF"/>
                 </a:solidFill>
               </a14:hiddenFill>
             </a:ext>
             <a:ext uri="{91240B29-F687-4f45-9708-019B960494DF}">
-              <a14:hiddenLine xmlns="" xmlns:a14="http://schemas.microsoft.com/office/drawing/2010/main" w="9525">
+              <a14:hiddenLine xmlns:a14="http://schemas.microsoft.com/office/drawing/2010/main" xmlns="" w="9525">
                 <a:solidFill>
                   <a:srgbClr val="000000"/>
                 </a:solidFill>
@@ -7977,581 +8122,6 @@
           </a:lstStyle>
           <a:p>
             <a:pPr eaLnBrk="1" hangingPunct="1"/>
-            <a:fld id="{F1E55943-4AEC-C143-ABF5-14200CB4DA50}" type="slidenum">
-              <a:rPr lang="en-GB">
-                <a:solidFill>
-                  <a:srgbClr val="000000"/>
-                </a:solidFill>
-              </a:rPr>
-              <a:pPr eaLnBrk="1" hangingPunct="1"/>
-              <a:t>2</a:t>
-            </a:fld>
-            <a:endParaRPr lang="en-GB">
-              <a:solidFill>
-                <a:srgbClr val="000000"/>
-              </a:solidFill>
-            </a:endParaRPr>
-          </a:p>
-        </p:txBody>
-      </p:sp>
-    </p:spTree>
-    <p:extLst>
-      <p:ext uri="{BB962C8B-B14F-4D97-AF65-F5344CB8AC3E}">
-        <p14:creationId xmlns:p14="http://schemas.microsoft.com/office/powerpoint/2010/main" val="3594671114"/>
-      </p:ext>
-    </p:extLst>
-  </p:cSld>
-  <p:clrMapOvr>
-    <a:masterClrMapping/>
-  </p:clrMapOvr>
-  <p:transition spd="med"/>
-  <p:timing>
-    <p:tnLst>
-      <p:par>
-        <p:cTn id="1" dur="indefinite" restart="never" nodeType="tmRoot">
-          <p:childTnLst>
-            <p:seq concurrent="1" nextAc="seek">
-              <p:cTn id="2" dur="0" nodeType="mainSeq"/>
-              <p:prevCondLst>
-                <p:cond evt="onPrev" delay="0">
-                  <p:tgtEl>
-                    <p:sldTgt/>
-                  </p:tgtEl>
-                </p:cond>
-              </p:prevCondLst>
-              <p:nextCondLst>
-                <p:cond evt="onNext" delay="0">
-                  <p:tgtEl>
-                    <p:sldTgt/>
-                  </p:tgtEl>
-                </p:cond>
-              </p:nextCondLst>
-            </p:seq>
-          </p:childTnLst>
-        </p:cTn>
-      </p:par>
-    </p:tnLst>
-  </p:timing>
-</p:sld>
-</file>
-
-<file path=ppt/slides/slide20.xml><?xml version="1.0" encoding="utf-8"?>
-<p:sld xmlns:a="http://schemas.openxmlformats.org/drawingml/2006/main" xmlns:r="http://schemas.openxmlformats.org/officeDocument/2006/relationships" xmlns:p="http://schemas.openxmlformats.org/presentationml/2006/main">
-  <p:cSld>
-    <p:spTree>
-      <p:nvGrpSpPr>
-        <p:cNvPr id="1" name=""/>
-        <p:cNvGrpSpPr/>
-        <p:nvPr/>
-      </p:nvGrpSpPr>
-      <p:grpSpPr>
-        <a:xfrm>
-          <a:off x="0" y="0"/>
-          <a:ext cx="0" cy="0"/>
-          <a:chOff x="0" y="0"/>
-          <a:chExt cx="0" cy="0"/>
-        </a:xfrm>
-      </p:grpSpPr>
-      <p:sp>
-        <p:nvSpPr>
-          <p:cNvPr id="2" name="Title 1">
-            <a:extLst>
-              <a:ext uri="{FF2B5EF4-FFF2-40B4-BE49-F238E27FC236}">
-                <a16:creationId xmlns:a16="http://schemas.microsoft.com/office/drawing/2014/main" id="{91FED534-EDE6-A445-BFE5-1B96E11CD136}"/>
-              </a:ext>
-            </a:extLst>
-          </p:cNvPr>
-          <p:cNvSpPr>
-            <a:spLocks noGrp="1"/>
-          </p:cNvSpPr>
-          <p:nvPr>
-            <p:ph type="title"/>
-          </p:nvPr>
-        </p:nvSpPr>
-        <p:spPr/>
-        <p:txBody>
-          <a:bodyPr/>
-          <a:lstStyle/>
-          <a:p>
-            <a:r>
-              <a:rPr lang="en-US" dirty="0"/>
-              <a:t>Finite Waiting Room (</a:t>
-            </a:r>
-            <a:r>
-              <a:rPr lang="en-US" dirty="0" err="1"/>
-              <a:t>cont</a:t>
-            </a:r>
-            <a:r>
-              <a:rPr lang="en-US" dirty="0"/>
-              <a:t>)</a:t>
-            </a:r>
-          </a:p>
-        </p:txBody>
-      </p:sp>
-      <p:sp>
-        <p:nvSpPr>
-          <p:cNvPr id="3" name="Content Placeholder 2">
-            <a:extLst>
-              <a:ext uri="{FF2B5EF4-FFF2-40B4-BE49-F238E27FC236}">
-                <a16:creationId xmlns:a16="http://schemas.microsoft.com/office/drawing/2014/main" id="{834D944B-B806-AB44-AE55-46C956FC0BA4}"/>
-              </a:ext>
-            </a:extLst>
-          </p:cNvPr>
-          <p:cNvSpPr>
-            <a:spLocks noGrp="1"/>
-          </p:cNvSpPr>
-          <p:nvPr>
-            <p:ph idx="1"/>
-          </p:nvPr>
-        </p:nvSpPr>
-        <p:spPr/>
-        <p:txBody>
-          <a:bodyPr/>
-          <a:lstStyle/>
-          <a:p>
-            <a:pPr marL="514350" indent="-514350">
-              <a:buFont typeface="+mj-lt"/>
-              <a:buAutoNum type="arabicPeriod" startAt="4"/>
-            </a:pPr>
-            <a:r>
-              <a:rPr lang="en-US" dirty="0"/>
-              <a:t>Write scheduling relationships as edges</a:t>
-            </a:r>
-          </a:p>
-        </p:txBody>
-      </p:sp>
-      <p:sp>
-        <p:nvSpPr>
-          <p:cNvPr id="5" name="Footer Placeholder 4">
-            <a:extLst>
-              <a:ext uri="{FF2B5EF4-FFF2-40B4-BE49-F238E27FC236}">
-                <a16:creationId xmlns:a16="http://schemas.microsoft.com/office/drawing/2014/main" id="{8A3BFE7E-A448-DA44-96A0-22505E1AA1B5}"/>
-              </a:ext>
-            </a:extLst>
-          </p:cNvPr>
-          <p:cNvSpPr>
-            <a:spLocks noGrp="1"/>
-          </p:cNvSpPr>
-          <p:nvPr>
-            <p:ph type="ftr" idx="11"/>
-          </p:nvPr>
-        </p:nvSpPr>
-        <p:spPr/>
-        <p:txBody>
-          <a:bodyPr/>
-          <a:lstStyle/>
-          <a:p>
-            <a:pPr>
-              <a:defRPr/>
-            </a:pPr>
-            <a:r>
-              <a:rPr lang="en-GB"/>
-              <a:t>DES Short Course - Session 4</a:t>
-            </a:r>
-          </a:p>
-        </p:txBody>
-      </p:sp>
-      <p:sp>
-        <p:nvSpPr>
-          <p:cNvPr id="6" name="Slide Number Placeholder 5">
-            <a:extLst>
-              <a:ext uri="{FF2B5EF4-FFF2-40B4-BE49-F238E27FC236}">
-                <a16:creationId xmlns:a16="http://schemas.microsoft.com/office/drawing/2014/main" id="{A5A4184A-648C-7948-B287-1F7C8E6A3E08}"/>
-              </a:ext>
-            </a:extLst>
-          </p:cNvPr>
-          <p:cNvSpPr>
-            <a:spLocks noGrp="1"/>
-          </p:cNvSpPr>
-          <p:nvPr>
-            <p:ph type="sldNum" idx="12"/>
-          </p:nvPr>
-        </p:nvSpPr>
-        <p:spPr/>
-        <p:txBody>
-          <a:bodyPr/>
-          <a:lstStyle/>
-          <a:p>
-            <a:fld id="{2C872155-2C61-9C4F-913C-FEC05CAEFC81}" type="slidenum">
-              <a:rPr lang="en-GB" smtClean="0"/>
-              <a:pPr/>
-              <a:t>20</a:t>
-            </a:fld>
-            <a:endParaRPr lang="en-GB"/>
-          </a:p>
-        </p:txBody>
-      </p:sp>
-      <p:pic>
-        <p:nvPicPr>
-          <p:cNvPr id="7" name="Picture 6">
-            <a:extLst>
-              <a:ext uri="{FF2B5EF4-FFF2-40B4-BE49-F238E27FC236}">
-                <a16:creationId xmlns:a16="http://schemas.microsoft.com/office/drawing/2014/main" id="{5376520E-AEDF-BB40-AD11-9D6D75BAE6DD}"/>
-              </a:ext>
-            </a:extLst>
-          </p:cNvPr>
-          <p:cNvPicPr>
-            <a:picLocks noChangeAspect="1"/>
-          </p:cNvPicPr>
-          <p:nvPr/>
-        </p:nvPicPr>
-        <p:blipFill>
-          <a:blip r:embed="rId3"/>
-          <a:stretch>
-            <a:fillRect/>
-          </a:stretch>
-        </p:blipFill>
-        <p:spPr>
-          <a:xfrm>
-            <a:off x="1714500" y="2438400"/>
-            <a:ext cx="8763000" cy="3208986"/>
-          </a:xfrm>
-          <a:prstGeom prst="rect">
-            <a:avLst/>
-          </a:prstGeom>
-        </p:spPr>
-      </p:pic>
-    </p:spTree>
-    <p:extLst>
-      <p:ext uri="{BB962C8B-B14F-4D97-AF65-F5344CB8AC3E}">
-        <p14:creationId xmlns:p14="http://schemas.microsoft.com/office/powerpoint/2010/main" val="798405341"/>
-      </p:ext>
-    </p:extLst>
-  </p:cSld>
-  <p:clrMapOvr>
-    <a:masterClrMapping/>
-  </p:clrMapOvr>
-</p:sld>
-</file>
-
-<file path=ppt/slides/slide21.xml><?xml version="1.0" encoding="utf-8"?>
-<p:sld xmlns:a="http://schemas.openxmlformats.org/drawingml/2006/main" xmlns:r="http://schemas.openxmlformats.org/officeDocument/2006/relationships" xmlns:p="http://schemas.openxmlformats.org/presentationml/2006/main">
-  <p:cSld>
-    <p:spTree>
-      <p:nvGrpSpPr>
-        <p:cNvPr id="1" name=""/>
-        <p:cNvGrpSpPr/>
-        <p:nvPr/>
-      </p:nvGrpSpPr>
-      <p:grpSpPr>
-        <a:xfrm>
-          <a:off x="0" y="0"/>
-          <a:ext cx="0" cy="0"/>
-          <a:chOff x="0" y="0"/>
-          <a:chExt cx="0" cy="0"/>
-        </a:xfrm>
-      </p:grpSpPr>
-      <p:sp>
-        <p:nvSpPr>
-          <p:cNvPr id="4099" name="Footer Placeholder 4"/>
-          <p:cNvSpPr>
-            <a:spLocks noGrp="1"/>
-          </p:cNvSpPr>
-          <p:nvPr>
-            <p:ph type="ftr" sz="quarter" idx="11"/>
-          </p:nvPr>
-        </p:nvSpPr>
-        <p:spPr>
-          <a:noFill/>
-          <a:ln/>
-          <a:extLst>
-            <a:ext uri="{909E8E84-426E-40dd-AFC4-6F175D3DCCD1}">
-              <a14:hiddenFill xmlns="" xmlns:a14="http://schemas.microsoft.com/office/drawing/2010/main">
-                <a:solidFill>
-                  <a:srgbClr val="FFFFFF"/>
-                </a:solidFill>
-              </a14:hiddenFill>
-            </a:ext>
-            <a:ext uri="{91240B29-F687-4f45-9708-019B960494DF}">
-              <a14:hiddenLine xmlns="" xmlns:a14="http://schemas.microsoft.com/office/drawing/2010/main" w="9525">
-                <a:solidFill>
-                  <a:srgbClr val="000000"/>
-                </a:solidFill>
-                <a:round/>
-                <a:headEnd/>
-                <a:tailEnd/>
-              </a14:hiddenLine>
-            </a:ext>
-          </a:extLst>
-        </p:spPr>
-        <p:txBody>
-          <a:bodyPr/>
-          <a:lstStyle>
-            <a:lvl1pPr eaLnBrk="0" hangingPunct="0">
-              <a:tabLst>
-                <a:tab pos="0" algn="l"/>
-                <a:tab pos="914400" algn="l"/>
-                <a:tab pos="1828800" algn="l"/>
-                <a:tab pos="2743200" algn="l"/>
-                <a:tab pos="3657600" algn="l"/>
-                <a:tab pos="4572000" algn="l"/>
-                <a:tab pos="5486400" algn="l"/>
-                <a:tab pos="6400800" algn="l"/>
-                <a:tab pos="7315200" algn="l"/>
-                <a:tab pos="8229600" algn="l"/>
-                <a:tab pos="9144000" algn="l"/>
-                <a:tab pos="10058400" algn="l"/>
-              </a:tabLst>
-              <a:defRPr>
-                <a:solidFill>
-                  <a:schemeClr val="bg1"/>
-                </a:solidFill>
-                <a:latin typeface="Arial" charset="0"/>
-                <a:ea typeface="ＭＳ Ｐゴシック" charset="0"/>
-                <a:cs typeface="Arial" charset="0"/>
-              </a:defRPr>
-            </a:lvl1pPr>
-            <a:lvl2pPr marL="742950" indent="-285750" eaLnBrk="0" hangingPunct="0">
-              <a:tabLst>
-                <a:tab pos="0" algn="l"/>
-                <a:tab pos="914400" algn="l"/>
-                <a:tab pos="1828800" algn="l"/>
-                <a:tab pos="2743200" algn="l"/>
-                <a:tab pos="3657600" algn="l"/>
-                <a:tab pos="4572000" algn="l"/>
-                <a:tab pos="5486400" algn="l"/>
-                <a:tab pos="6400800" algn="l"/>
-                <a:tab pos="7315200" algn="l"/>
-                <a:tab pos="8229600" algn="l"/>
-                <a:tab pos="9144000" algn="l"/>
-                <a:tab pos="10058400" algn="l"/>
-              </a:tabLst>
-              <a:defRPr>
-                <a:solidFill>
-                  <a:schemeClr val="bg1"/>
-                </a:solidFill>
-                <a:latin typeface="Arial" charset="0"/>
-                <a:ea typeface="Arial" charset="0"/>
-                <a:cs typeface="Arial" charset="0"/>
-              </a:defRPr>
-            </a:lvl2pPr>
-            <a:lvl3pPr marL="1143000" indent="-228600" eaLnBrk="0" hangingPunct="0">
-              <a:tabLst>
-                <a:tab pos="0" algn="l"/>
-                <a:tab pos="914400" algn="l"/>
-                <a:tab pos="1828800" algn="l"/>
-                <a:tab pos="2743200" algn="l"/>
-                <a:tab pos="3657600" algn="l"/>
-                <a:tab pos="4572000" algn="l"/>
-                <a:tab pos="5486400" algn="l"/>
-                <a:tab pos="6400800" algn="l"/>
-                <a:tab pos="7315200" algn="l"/>
-                <a:tab pos="8229600" algn="l"/>
-                <a:tab pos="9144000" algn="l"/>
-                <a:tab pos="10058400" algn="l"/>
-              </a:tabLst>
-              <a:defRPr>
-                <a:solidFill>
-                  <a:schemeClr val="bg1"/>
-                </a:solidFill>
-                <a:latin typeface="Arial" charset="0"/>
-                <a:ea typeface="Arial" charset="0"/>
-                <a:cs typeface="Arial" charset="0"/>
-              </a:defRPr>
-            </a:lvl3pPr>
-            <a:lvl4pPr marL="1600200" indent="-228600" eaLnBrk="0" hangingPunct="0">
-              <a:tabLst>
-                <a:tab pos="0" algn="l"/>
-                <a:tab pos="914400" algn="l"/>
-                <a:tab pos="1828800" algn="l"/>
-                <a:tab pos="2743200" algn="l"/>
-                <a:tab pos="3657600" algn="l"/>
-                <a:tab pos="4572000" algn="l"/>
-                <a:tab pos="5486400" algn="l"/>
-                <a:tab pos="6400800" algn="l"/>
-                <a:tab pos="7315200" algn="l"/>
-                <a:tab pos="8229600" algn="l"/>
-                <a:tab pos="9144000" algn="l"/>
-                <a:tab pos="10058400" algn="l"/>
-              </a:tabLst>
-              <a:defRPr>
-                <a:solidFill>
-                  <a:schemeClr val="bg1"/>
-                </a:solidFill>
-                <a:latin typeface="Arial" charset="0"/>
-                <a:ea typeface="Arial" charset="0"/>
-                <a:cs typeface="Arial" charset="0"/>
-              </a:defRPr>
-            </a:lvl4pPr>
-            <a:lvl5pPr marL="2057400" indent="-228600" eaLnBrk="0" hangingPunct="0">
-              <a:tabLst>
-                <a:tab pos="0" algn="l"/>
-                <a:tab pos="914400" algn="l"/>
-                <a:tab pos="1828800" algn="l"/>
-                <a:tab pos="2743200" algn="l"/>
-                <a:tab pos="3657600" algn="l"/>
-                <a:tab pos="4572000" algn="l"/>
-                <a:tab pos="5486400" algn="l"/>
-                <a:tab pos="6400800" algn="l"/>
-                <a:tab pos="7315200" algn="l"/>
-                <a:tab pos="8229600" algn="l"/>
-                <a:tab pos="9144000" algn="l"/>
-                <a:tab pos="10058400" algn="l"/>
-              </a:tabLst>
-              <a:defRPr>
-                <a:solidFill>
-                  <a:schemeClr val="bg1"/>
-                </a:solidFill>
-                <a:latin typeface="Arial" charset="0"/>
-                <a:ea typeface="Arial" charset="0"/>
-                <a:cs typeface="Arial" charset="0"/>
-              </a:defRPr>
-            </a:lvl5pPr>
-            <a:lvl6pPr marL="2514600" indent="-228600" eaLnBrk="0" fontAlgn="base" hangingPunct="0">
-              <a:lnSpc>
-                <a:spcPct val="119000"/>
-              </a:lnSpc>
-              <a:spcBef>
-                <a:spcPct val="0"/>
-              </a:spcBef>
-              <a:spcAft>
-                <a:spcPct val="0"/>
-              </a:spcAft>
-              <a:buClr>
-                <a:srgbClr val="000000"/>
-              </a:buClr>
-              <a:buSzPct val="100000"/>
-              <a:buFont typeface="Arial" charset="0"/>
-              <a:tabLst>
-                <a:tab pos="0" algn="l"/>
-                <a:tab pos="914400" algn="l"/>
-                <a:tab pos="1828800" algn="l"/>
-                <a:tab pos="2743200" algn="l"/>
-                <a:tab pos="3657600" algn="l"/>
-                <a:tab pos="4572000" algn="l"/>
-                <a:tab pos="5486400" algn="l"/>
-                <a:tab pos="6400800" algn="l"/>
-                <a:tab pos="7315200" algn="l"/>
-                <a:tab pos="8229600" algn="l"/>
-                <a:tab pos="9144000" algn="l"/>
-                <a:tab pos="10058400" algn="l"/>
-              </a:tabLst>
-              <a:defRPr>
-                <a:solidFill>
-                  <a:schemeClr val="bg1"/>
-                </a:solidFill>
-                <a:latin typeface="Arial" charset="0"/>
-                <a:ea typeface="Arial" charset="0"/>
-                <a:cs typeface="Arial" charset="0"/>
-              </a:defRPr>
-            </a:lvl6pPr>
-            <a:lvl7pPr marL="2971800" indent="-228600" eaLnBrk="0" fontAlgn="base" hangingPunct="0">
-              <a:lnSpc>
-                <a:spcPct val="119000"/>
-              </a:lnSpc>
-              <a:spcBef>
-                <a:spcPct val="0"/>
-              </a:spcBef>
-              <a:spcAft>
-                <a:spcPct val="0"/>
-              </a:spcAft>
-              <a:buClr>
-                <a:srgbClr val="000000"/>
-              </a:buClr>
-              <a:buSzPct val="100000"/>
-              <a:buFont typeface="Arial" charset="0"/>
-              <a:tabLst>
-                <a:tab pos="0" algn="l"/>
-                <a:tab pos="914400" algn="l"/>
-                <a:tab pos="1828800" algn="l"/>
-                <a:tab pos="2743200" algn="l"/>
-                <a:tab pos="3657600" algn="l"/>
-                <a:tab pos="4572000" algn="l"/>
-                <a:tab pos="5486400" algn="l"/>
-                <a:tab pos="6400800" algn="l"/>
-                <a:tab pos="7315200" algn="l"/>
-                <a:tab pos="8229600" algn="l"/>
-                <a:tab pos="9144000" algn="l"/>
-                <a:tab pos="10058400" algn="l"/>
-              </a:tabLst>
-              <a:defRPr>
-                <a:solidFill>
-                  <a:schemeClr val="bg1"/>
-                </a:solidFill>
-                <a:latin typeface="Arial" charset="0"/>
-                <a:ea typeface="Arial" charset="0"/>
-                <a:cs typeface="Arial" charset="0"/>
-              </a:defRPr>
-            </a:lvl7pPr>
-            <a:lvl8pPr marL="3429000" indent="-228600" eaLnBrk="0" fontAlgn="base" hangingPunct="0">
-              <a:lnSpc>
-                <a:spcPct val="119000"/>
-              </a:lnSpc>
-              <a:spcBef>
-                <a:spcPct val="0"/>
-              </a:spcBef>
-              <a:spcAft>
-                <a:spcPct val="0"/>
-              </a:spcAft>
-              <a:buClr>
-                <a:srgbClr val="000000"/>
-              </a:buClr>
-              <a:buSzPct val="100000"/>
-              <a:buFont typeface="Arial" charset="0"/>
-              <a:tabLst>
-                <a:tab pos="0" algn="l"/>
-                <a:tab pos="914400" algn="l"/>
-                <a:tab pos="1828800" algn="l"/>
-                <a:tab pos="2743200" algn="l"/>
-                <a:tab pos="3657600" algn="l"/>
-                <a:tab pos="4572000" algn="l"/>
-                <a:tab pos="5486400" algn="l"/>
-                <a:tab pos="6400800" algn="l"/>
-                <a:tab pos="7315200" algn="l"/>
-                <a:tab pos="8229600" algn="l"/>
-                <a:tab pos="9144000" algn="l"/>
-                <a:tab pos="10058400" algn="l"/>
-              </a:tabLst>
-              <a:defRPr>
-                <a:solidFill>
-                  <a:schemeClr val="bg1"/>
-                </a:solidFill>
-                <a:latin typeface="Arial" charset="0"/>
-                <a:ea typeface="Arial" charset="0"/>
-                <a:cs typeface="Arial" charset="0"/>
-              </a:defRPr>
-            </a:lvl8pPr>
-            <a:lvl9pPr marL="3886200" indent="-228600" eaLnBrk="0" fontAlgn="base" hangingPunct="0">
-              <a:lnSpc>
-                <a:spcPct val="119000"/>
-              </a:lnSpc>
-              <a:spcBef>
-                <a:spcPct val="0"/>
-              </a:spcBef>
-              <a:spcAft>
-                <a:spcPct val="0"/>
-              </a:spcAft>
-              <a:buClr>
-                <a:srgbClr val="000000"/>
-              </a:buClr>
-              <a:buSzPct val="100000"/>
-              <a:buFont typeface="Arial" charset="0"/>
-              <a:tabLst>
-                <a:tab pos="0" algn="l"/>
-                <a:tab pos="914400" algn="l"/>
-                <a:tab pos="1828800" algn="l"/>
-                <a:tab pos="2743200" algn="l"/>
-                <a:tab pos="3657600" algn="l"/>
-                <a:tab pos="4572000" algn="l"/>
-                <a:tab pos="5486400" algn="l"/>
-                <a:tab pos="6400800" algn="l"/>
-                <a:tab pos="7315200" algn="l"/>
-                <a:tab pos="8229600" algn="l"/>
-                <a:tab pos="9144000" algn="l"/>
-                <a:tab pos="10058400" algn="l"/>
-              </a:tabLst>
-              <a:defRPr>
-                <a:solidFill>
-                  <a:schemeClr val="bg1"/>
-                </a:solidFill>
-                <a:latin typeface="Arial" charset="0"/>
-                <a:ea typeface="Arial" charset="0"/>
-                <a:cs typeface="Arial" charset="0"/>
-              </a:defRPr>
-            </a:lvl9pPr>
-          </a:lstStyle>
-          <a:p>
-            <a:pPr eaLnBrk="1" hangingPunct="1"/>
             <a:r>
               <a:rPr lang="en-GB">
                 <a:solidFill>
@@ -8560,334 +8130,6 @@
               </a:rPr>
               <a:t>DES Short Course - Session 4</a:t>
             </a:r>
-          </a:p>
-        </p:txBody>
-      </p:sp>
-      <p:sp>
-        <p:nvSpPr>
-          <p:cNvPr id="4100" name="Slide Number Placeholder 5"/>
-          <p:cNvSpPr>
-            <a:spLocks noGrp="1"/>
-          </p:cNvSpPr>
-          <p:nvPr>
-            <p:ph type="sldNum" sz="quarter" idx="12"/>
-          </p:nvPr>
-        </p:nvSpPr>
-        <p:spPr>
-          <a:noFill/>
-          <a:ln/>
-          <a:extLst>
-            <a:ext uri="{909E8E84-426E-40dd-AFC4-6F175D3DCCD1}">
-              <a14:hiddenFill xmlns="" xmlns:a14="http://schemas.microsoft.com/office/drawing/2010/main">
-                <a:solidFill>
-                  <a:srgbClr val="FFFFFF"/>
-                </a:solidFill>
-              </a14:hiddenFill>
-            </a:ext>
-            <a:ext uri="{91240B29-F687-4f45-9708-019B960494DF}">
-              <a14:hiddenLine xmlns="" xmlns:a14="http://schemas.microsoft.com/office/drawing/2010/main" w="9525">
-                <a:solidFill>
-                  <a:srgbClr val="000000"/>
-                </a:solidFill>
-                <a:round/>
-                <a:headEnd/>
-                <a:tailEnd/>
-              </a14:hiddenLine>
-            </a:ext>
-          </a:extLst>
-        </p:spPr>
-        <p:txBody>
-          <a:bodyPr/>
-          <a:lstStyle>
-            <a:lvl1pPr eaLnBrk="0" hangingPunct="0">
-              <a:tabLst>
-                <a:tab pos="0" algn="l"/>
-                <a:tab pos="914400" algn="l"/>
-                <a:tab pos="1828800" algn="l"/>
-                <a:tab pos="2743200" algn="l"/>
-                <a:tab pos="3657600" algn="l"/>
-                <a:tab pos="4572000" algn="l"/>
-                <a:tab pos="5486400" algn="l"/>
-                <a:tab pos="6400800" algn="l"/>
-                <a:tab pos="7315200" algn="l"/>
-                <a:tab pos="8229600" algn="l"/>
-                <a:tab pos="9144000" algn="l"/>
-                <a:tab pos="10058400" algn="l"/>
-              </a:tabLst>
-              <a:defRPr>
-                <a:solidFill>
-                  <a:schemeClr val="bg1"/>
-                </a:solidFill>
-                <a:latin typeface="Arial" charset="0"/>
-                <a:ea typeface="ＭＳ Ｐゴシック" charset="0"/>
-                <a:cs typeface="Arial" charset="0"/>
-              </a:defRPr>
-            </a:lvl1pPr>
-            <a:lvl2pPr marL="742950" indent="-285750" eaLnBrk="0" hangingPunct="0">
-              <a:tabLst>
-                <a:tab pos="0" algn="l"/>
-                <a:tab pos="914400" algn="l"/>
-                <a:tab pos="1828800" algn="l"/>
-                <a:tab pos="2743200" algn="l"/>
-                <a:tab pos="3657600" algn="l"/>
-                <a:tab pos="4572000" algn="l"/>
-                <a:tab pos="5486400" algn="l"/>
-                <a:tab pos="6400800" algn="l"/>
-                <a:tab pos="7315200" algn="l"/>
-                <a:tab pos="8229600" algn="l"/>
-                <a:tab pos="9144000" algn="l"/>
-                <a:tab pos="10058400" algn="l"/>
-              </a:tabLst>
-              <a:defRPr>
-                <a:solidFill>
-                  <a:schemeClr val="bg1"/>
-                </a:solidFill>
-                <a:latin typeface="Arial" charset="0"/>
-                <a:ea typeface="Arial" charset="0"/>
-                <a:cs typeface="Arial" charset="0"/>
-              </a:defRPr>
-            </a:lvl2pPr>
-            <a:lvl3pPr marL="1143000" indent="-228600" eaLnBrk="0" hangingPunct="0">
-              <a:tabLst>
-                <a:tab pos="0" algn="l"/>
-                <a:tab pos="914400" algn="l"/>
-                <a:tab pos="1828800" algn="l"/>
-                <a:tab pos="2743200" algn="l"/>
-                <a:tab pos="3657600" algn="l"/>
-                <a:tab pos="4572000" algn="l"/>
-                <a:tab pos="5486400" algn="l"/>
-                <a:tab pos="6400800" algn="l"/>
-                <a:tab pos="7315200" algn="l"/>
-                <a:tab pos="8229600" algn="l"/>
-                <a:tab pos="9144000" algn="l"/>
-                <a:tab pos="10058400" algn="l"/>
-              </a:tabLst>
-              <a:defRPr>
-                <a:solidFill>
-                  <a:schemeClr val="bg1"/>
-                </a:solidFill>
-                <a:latin typeface="Arial" charset="0"/>
-                <a:ea typeface="Arial" charset="0"/>
-                <a:cs typeface="Arial" charset="0"/>
-              </a:defRPr>
-            </a:lvl3pPr>
-            <a:lvl4pPr marL="1600200" indent="-228600" eaLnBrk="0" hangingPunct="0">
-              <a:tabLst>
-                <a:tab pos="0" algn="l"/>
-                <a:tab pos="914400" algn="l"/>
-                <a:tab pos="1828800" algn="l"/>
-                <a:tab pos="2743200" algn="l"/>
-                <a:tab pos="3657600" algn="l"/>
-                <a:tab pos="4572000" algn="l"/>
-                <a:tab pos="5486400" algn="l"/>
-                <a:tab pos="6400800" algn="l"/>
-                <a:tab pos="7315200" algn="l"/>
-                <a:tab pos="8229600" algn="l"/>
-                <a:tab pos="9144000" algn="l"/>
-                <a:tab pos="10058400" algn="l"/>
-              </a:tabLst>
-              <a:defRPr>
-                <a:solidFill>
-                  <a:schemeClr val="bg1"/>
-                </a:solidFill>
-                <a:latin typeface="Arial" charset="0"/>
-                <a:ea typeface="Arial" charset="0"/>
-                <a:cs typeface="Arial" charset="0"/>
-              </a:defRPr>
-            </a:lvl4pPr>
-            <a:lvl5pPr marL="2057400" indent="-228600" eaLnBrk="0" hangingPunct="0">
-              <a:tabLst>
-                <a:tab pos="0" algn="l"/>
-                <a:tab pos="914400" algn="l"/>
-                <a:tab pos="1828800" algn="l"/>
-                <a:tab pos="2743200" algn="l"/>
-                <a:tab pos="3657600" algn="l"/>
-                <a:tab pos="4572000" algn="l"/>
-                <a:tab pos="5486400" algn="l"/>
-                <a:tab pos="6400800" algn="l"/>
-                <a:tab pos="7315200" algn="l"/>
-                <a:tab pos="8229600" algn="l"/>
-                <a:tab pos="9144000" algn="l"/>
-                <a:tab pos="10058400" algn="l"/>
-              </a:tabLst>
-              <a:defRPr>
-                <a:solidFill>
-                  <a:schemeClr val="bg1"/>
-                </a:solidFill>
-                <a:latin typeface="Arial" charset="0"/>
-                <a:ea typeface="Arial" charset="0"/>
-                <a:cs typeface="Arial" charset="0"/>
-              </a:defRPr>
-            </a:lvl5pPr>
-            <a:lvl6pPr marL="2514600" indent="-228600" eaLnBrk="0" fontAlgn="base" hangingPunct="0">
-              <a:lnSpc>
-                <a:spcPct val="119000"/>
-              </a:lnSpc>
-              <a:spcBef>
-                <a:spcPct val="0"/>
-              </a:spcBef>
-              <a:spcAft>
-                <a:spcPct val="0"/>
-              </a:spcAft>
-              <a:buClr>
-                <a:srgbClr val="000000"/>
-              </a:buClr>
-              <a:buSzPct val="100000"/>
-              <a:buFont typeface="Arial" charset="0"/>
-              <a:tabLst>
-                <a:tab pos="0" algn="l"/>
-                <a:tab pos="914400" algn="l"/>
-                <a:tab pos="1828800" algn="l"/>
-                <a:tab pos="2743200" algn="l"/>
-                <a:tab pos="3657600" algn="l"/>
-                <a:tab pos="4572000" algn="l"/>
-                <a:tab pos="5486400" algn="l"/>
-                <a:tab pos="6400800" algn="l"/>
-                <a:tab pos="7315200" algn="l"/>
-                <a:tab pos="8229600" algn="l"/>
-                <a:tab pos="9144000" algn="l"/>
-                <a:tab pos="10058400" algn="l"/>
-              </a:tabLst>
-              <a:defRPr>
-                <a:solidFill>
-                  <a:schemeClr val="bg1"/>
-                </a:solidFill>
-                <a:latin typeface="Arial" charset="0"/>
-                <a:ea typeface="Arial" charset="0"/>
-                <a:cs typeface="Arial" charset="0"/>
-              </a:defRPr>
-            </a:lvl6pPr>
-            <a:lvl7pPr marL="2971800" indent="-228600" eaLnBrk="0" fontAlgn="base" hangingPunct="0">
-              <a:lnSpc>
-                <a:spcPct val="119000"/>
-              </a:lnSpc>
-              <a:spcBef>
-                <a:spcPct val="0"/>
-              </a:spcBef>
-              <a:spcAft>
-                <a:spcPct val="0"/>
-              </a:spcAft>
-              <a:buClr>
-                <a:srgbClr val="000000"/>
-              </a:buClr>
-              <a:buSzPct val="100000"/>
-              <a:buFont typeface="Arial" charset="0"/>
-              <a:tabLst>
-                <a:tab pos="0" algn="l"/>
-                <a:tab pos="914400" algn="l"/>
-                <a:tab pos="1828800" algn="l"/>
-                <a:tab pos="2743200" algn="l"/>
-                <a:tab pos="3657600" algn="l"/>
-                <a:tab pos="4572000" algn="l"/>
-                <a:tab pos="5486400" algn="l"/>
-                <a:tab pos="6400800" algn="l"/>
-                <a:tab pos="7315200" algn="l"/>
-                <a:tab pos="8229600" algn="l"/>
-                <a:tab pos="9144000" algn="l"/>
-                <a:tab pos="10058400" algn="l"/>
-              </a:tabLst>
-              <a:defRPr>
-                <a:solidFill>
-                  <a:schemeClr val="bg1"/>
-                </a:solidFill>
-                <a:latin typeface="Arial" charset="0"/>
-                <a:ea typeface="Arial" charset="0"/>
-                <a:cs typeface="Arial" charset="0"/>
-              </a:defRPr>
-            </a:lvl7pPr>
-            <a:lvl8pPr marL="3429000" indent="-228600" eaLnBrk="0" fontAlgn="base" hangingPunct="0">
-              <a:lnSpc>
-                <a:spcPct val="119000"/>
-              </a:lnSpc>
-              <a:spcBef>
-                <a:spcPct val="0"/>
-              </a:spcBef>
-              <a:spcAft>
-                <a:spcPct val="0"/>
-              </a:spcAft>
-              <a:buClr>
-                <a:srgbClr val="000000"/>
-              </a:buClr>
-              <a:buSzPct val="100000"/>
-              <a:buFont typeface="Arial" charset="0"/>
-              <a:tabLst>
-                <a:tab pos="0" algn="l"/>
-                <a:tab pos="914400" algn="l"/>
-                <a:tab pos="1828800" algn="l"/>
-                <a:tab pos="2743200" algn="l"/>
-                <a:tab pos="3657600" algn="l"/>
-                <a:tab pos="4572000" algn="l"/>
-                <a:tab pos="5486400" algn="l"/>
-                <a:tab pos="6400800" algn="l"/>
-                <a:tab pos="7315200" algn="l"/>
-                <a:tab pos="8229600" algn="l"/>
-                <a:tab pos="9144000" algn="l"/>
-                <a:tab pos="10058400" algn="l"/>
-              </a:tabLst>
-              <a:defRPr>
-                <a:solidFill>
-                  <a:schemeClr val="bg1"/>
-                </a:solidFill>
-                <a:latin typeface="Arial" charset="0"/>
-                <a:ea typeface="Arial" charset="0"/>
-                <a:cs typeface="Arial" charset="0"/>
-              </a:defRPr>
-            </a:lvl8pPr>
-            <a:lvl9pPr marL="3886200" indent="-228600" eaLnBrk="0" fontAlgn="base" hangingPunct="0">
-              <a:lnSpc>
-                <a:spcPct val="119000"/>
-              </a:lnSpc>
-              <a:spcBef>
-                <a:spcPct val="0"/>
-              </a:spcBef>
-              <a:spcAft>
-                <a:spcPct val="0"/>
-              </a:spcAft>
-              <a:buClr>
-                <a:srgbClr val="000000"/>
-              </a:buClr>
-              <a:buSzPct val="100000"/>
-              <a:buFont typeface="Arial" charset="0"/>
-              <a:tabLst>
-                <a:tab pos="0" algn="l"/>
-                <a:tab pos="914400" algn="l"/>
-                <a:tab pos="1828800" algn="l"/>
-                <a:tab pos="2743200" algn="l"/>
-                <a:tab pos="3657600" algn="l"/>
-                <a:tab pos="4572000" algn="l"/>
-                <a:tab pos="5486400" algn="l"/>
-                <a:tab pos="6400800" algn="l"/>
-                <a:tab pos="7315200" algn="l"/>
-                <a:tab pos="8229600" algn="l"/>
-                <a:tab pos="9144000" algn="l"/>
-                <a:tab pos="10058400" algn="l"/>
-              </a:tabLst>
-              <a:defRPr>
-                <a:solidFill>
-                  <a:schemeClr val="bg1"/>
-                </a:solidFill>
-                <a:latin typeface="Arial" charset="0"/>
-                <a:ea typeface="Arial" charset="0"/>
-                <a:cs typeface="Arial" charset="0"/>
-              </a:defRPr>
-            </a:lvl9pPr>
-          </a:lstStyle>
-          <a:p>
-            <a:pPr eaLnBrk="1" hangingPunct="1"/>
-            <a:fld id="{C4E2982A-A938-9048-8566-209BA5824F72}" type="slidenum">
-              <a:rPr lang="en-GB">
-                <a:solidFill>
-                  <a:srgbClr val="000000"/>
-                </a:solidFill>
-              </a:rPr>
-              <a:pPr eaLnBrk="1" hangingPunct="1"/>
-              <a:t>21</a:t>
-            </a:fld>
-            <a:endParaRPr lang="en-GB">
-              <a:solidFill>
-                <a:srgbClr val="000000"/>
-              </a:solidFill>
-            </a:endParaRPr>
           </a:p>
         </p:txBody>
       </p:sp>
@@ -9000,6 +8242,35 @@
           </a:prstGeom>
         </p:spPr>
       </p:pic>
+      <p:sp>
+        <p:nvSpPr>
+          <p:cNvPr id="3" name="Slide Number Placeholder 2">
+            <a:extLst>
+              <a:ext uri="{FF2B5EF4-FFF2-40B4-BE49-F238E27FC236}">
+                <a16:creationId xmlns:a16="http://schemas.microsoft.com/office/drawing/2014/main" id="{F2A39E07-1C23-AD4C-8BCE-05223CCDB68B}"/>
+              </a:ext>
+            </a:extLst>
+          </p:cNvPr>
+          <p:cNvSpPr>
+            <a:spLocks noGrp="1"/>
+          </p:cNvSpPr>
+          <p:nvPr>
+            <p:ph type="sldNum" sz="quarter" idx="12"/>
+          </p:nvPr>
+        </p:nvSpPr>
+        <p:spPr/>
+        <p:txBody>
+          <a:bodyPr/>
+          <a:lstStyle/>
+          <a:p>
+            <a:fld id="{7B5F8CF4-080C-6448-A4C0-B6A3C5CD13C0}" type="slidenum">
+              <a:rPr lang="en-US" smtClean="0"/>
+              <a:t>21</a:t>
+            </a:fld>
+            <a:endParaRPr lang="en-US"/>
+          </a:p>
+        </p:txBody>
+      </p:sp>
     </p:spTree>
     <p:extLst>
       <p:ext uri="{BB962C8B-B14F-4D97-AF65-F5344CB8AC3E}">
@@ -9045,14 +8316,14 @@
           <a:ln/>
           <a:extLst>
             <a:ext uri="{909E8E84-426E-40dd-AFC4-6F175D3DCCD1}">
-              <a14:hiddenFill xmlns="" xmlns:a14="http://schemas.microsoft.com/office/drawing/2010/main">
+              <a14:hiddenFill xmlns:a14="http://schemas.microsoft.com/office/drawing/2010/main" xmlns="">
                 <a:solidFill>
                   <a:srgbClr val="FFFFFF"/>
                 </a:solidFill>
               </a14:hiddenFill>
             </a:ext>
             <a:ext uri="{91240B29-F687-4f45-9708-019B960494DF}">
-              <a14:hiddenLine xmlns="" xmlns:a14="http://schemas.microsoft.com/office/drawing/2010/main" w="9525">
+              <a14:hiddenLine xmlns:a14="http://schemas.microsoft.com/office/drawing/2010/main" xmlns="" w="9525">
                 <a:solidFill>
                   <a:srgbClr val="000000"/>
                 </a:solidFill>
@@ -9192,12 +8463,1099 @@
       </p:sp>
       <p:sp>
         <p:nvSpPr>
-          <p:cNvPr id="1029" name="Slide Number Placeholder 5"/>
+          <p:cNvPr id="1030" name="Rectangle 2"/>
+          <p:cNvSpPr>
+            <a:spLocks noGrp="1" noChangeArrowheads="1"/>
+          </p:cNvSpPr>
+          <p:nvPr>
+            <p:ph type="title"/>
+          </p:nvPr>
+        </p:nvSpPr>
+        <p:spPr/>
+        <p:txBody>
+          <a:bodyPr/>
+          <a:lstStyle/>
+          <a:p>
+            <a:pPr eaLnBrk="1" hangingPunct="1"/>
+            <a:r>
+              <a:rPr lang="en-US">
+                <a:latin typeface="Arial" charset="0"/>
+                <a:cs typeface="Arial" charset="0"/>
+              </a:rPr>
+              <a:t>Event Graph Methodology</a:t>
+            </a:r>
+          </a:p>
+        </p:txBody>
+      </p:sp>
+      <p:sp>
+        <p:nvSpPr>
+          <p:cNvPr id="1031" name="Rectangle 5"/>
+          <p:cNvSpPr>
+            <a:spLocks noGrp="1" noChangeArrowheads="1"/>
+          </p:cNvSpPr>
+          <p:nvPr>
+            <p:ph type="body" idx="1"/>
+          </p:nvPr>
+        </p:nvSpPr>
+        <p:spPr/>
+        <p:txBody>
+          <a:bodyPr/>
+          <a:lstStyle/>
+          <a:p>
+            <a:pPr eaLnBrk="1" hangingPunct="1"/>
+            <a:r>
+              <a:rPr lang="en-US">
+                <a:latin typeface="Arial" charset="0"/>
+                <a:cs typeface="Arial" charset="0"/>
+              </a:rPr>
+              <a:t>Node: State Transition</a:t>
+            </a:r>
+          </a:p>
+          <a:p>
+            <a:pPr eaLnBrk="1" hangingPunct="1"/>
+            <a:r>
+              <a:rPr lang="en-US">
+                <a:latin typeface="Arial" charset="0"/>
+                <a:cs typeface="Arial" charset="0"/>
+              </a:rPr>
+              <a:t>Edge: Scheduling Relationship</a:t>
+            </a:r>
+          </a:p>
+          <a:p>
+            <a:pPr eaLnBrk="1" hangingPunct="1"/>
+            <a:r>
+              <a:rPr lang="en-US">
+                <a:latin typeface="Arial" charset="0"/>
+                <a:cs typeface="Arial" charset="0"/>
+              </a:rPr>
+              <a:t>When Event A occurs, if condition (i) is true, then Event B is scheduled after a delay of </a:t>
+            </a:r>
+            <a:r>
+              <a:rPr lang="en-US" i="1">
+                <a:latin typeface="Arial" charset="0"/>
+                <a:cs typeface="Arial" charset="0"/>
+              </a:rPr>
+              <a:t>t</a:t>
+            </a:r>
+          </a:p>
+          <a:p>
+            <a:pPr eaLnBrk="1" hangingPunct="1"/>
+            <a:endParaRPr lang="en-US">
+              <a:latin typeface="Arial" charset="0"/>
+              <a:cs typeface="Arial" charset="0"/>
+            </a:endParaRPr>
+          </a:p>
+        </p:txBody>
+      </p:sp>
+      <p:graphicFrame>
+        <p:nvGraphicFramePr>
+          <p:cNvPr id="1026" name="Object 2"/>
+          <p:cNvGraphicFramePr>
+            <a:graphicFrameLocks noGrp="1" noChangeAspect="1"/>
+          </p:cNvGraphicFramePr>
+          <p:nvPr>
+            <p:ph sz="half" idx="4294967295"/>
+          </p:nvPr>
+        </p:nvGraphicFramePr>
+        <p:xfrm>
+          <a:off x="3810000" y="4495800"/>
+          <a:ext cx="4572000" cy="1220788"/>
+        </p:xfrm>
+        <a:graphic>
+          <a:graphicData uri="http://schemas.openxmlformats.org/presentationml/2006/ole">
+            <mc:AlternateContent xmlns:mc="http://schemas.openxmlformats.org/markup-compatibility/2006">
+              <mc:Choice xmlns:v="urn:schemas-microsoft-com:vml" Requires="v">
+                <p:oleObj spid="_x0000_s1028" name="Visio" r:id="rId3" imgW="2811981" imgH="751548" progId="Visio.Drawing.11">
+                  <p:embed/>
+                </p:oleObj>
+              </mc:Choice>
+              <mc:Fallback>
+                <p:oleObj name="Visio" r:id="rId3" imgW="2811981" imgH="751548" progId="Visio.Drawing.11">
+                  <p:embed/>
+                  <p:pic>
+                    <p:nvPicPr>
+                      <p:cNvPr id="1026" name="Object 2"/>
+                      <p:cNvPicPr>
+                        <a:picLocks noChangeAspect="1" noChangeArrowheads="1"/>
+                      </p:cNvPicPr>
+                      <p:nvPr/>
+                    </p:nvPicPr>
+                    <p:blipFill>
+                      <a:blip r:embed="rId4">
+                        <a:extLst>
+                          <a:ext uri="{28A0092B-C50C-407E-A947-70E740481C1C}">
+                            <a14:useLocalDpi xmlns:a14="http://schemas.microsoft.com/office/drawing/2010/main" val="0"/>
+                          </a:ext>
+                        </a:extLst>
+                      </a:blip>
+                      <a:srcRect/>
+                      <a:stretch>
+                        <a:fillRect/>
+                      </a:stretch>
+                    </p:blipFill>
+                    <p:spPr bwMode="auto">
+                      <a:xfrm>
+                        <a:off x="3810000" y="4495800"/>
+                        <a:ext cx="4572000" cy="1220788"/>
+                      </a:xfrm>
+                      <a:prstGeom prst="rect">
+                        <a:avLst/>
+                      </a:prstGeom>
+                      <a:noFill/>
+                      <a:ln>
+                        <a:noFill/>
+                      </a:ln>
+                      <a:effectLst/>
+                      <a:extLst>
+                        <a:ext uri="{909E8E84-426E-40dd-AFC4-6F175D3DCCD1}">
+                          <a14:hiddenFill xmlns:a14="http://schemas.microsoft.com/office/drawing/2010/main" xmlns="">
+                            <a:solidFill>
+                              <a:schemeClr val="accent1"/>
+                            </a:solidFill>
+                          </a14:hiddenFill>
+                        </a:ext>
+                        <a:ext uri="{91240B29-F687-4f45-9708-019B960494DF}">
+                          <a14:hiddenLine xmlns:a14="http://schemas.microsoft.com/office/drawing/2010/main" xmlns="" w="9525">
+                            <a:solidFill>
+                              <a:schemeClr val="tx1"/>
+                            </a:solidFill>
+                            <a:miter lim="800000"/>
+                            <a:headEnd/>
+                            <a:tailEnd/>
+                          </a14:hiddenLine>
+                        </a:ext>
+                        <a:ext uri="{AF507438-7753-43e0-B8FC-AC1667EBCBE1}">
+                          <a14:hiddenEffects xmlns:a14="http://schemas.microsoft.com/office/drawing/2010/main" xmlns="">
+                            <a:effectLst>
+                              <a:outerShdw blurRad="63500" dist="38099" dir="2700000" algn="ctr" rotWithShape="0">
+                                <a:schemeClr val="bg2">
+                                  <a:alpha val="74998"/>
+                                </a:schemeClr>
+                              </a:outerShdw>
+                            </a:effectLst>
+                          </a14:hiddenEffects>
+                        </a:ext>
+                      </a:extLst>
+                    </p:spPr>
+                  </p:pic>
+                </p:oleObj>
+              </mc:Fallback>
+            </mc:AlternateContent>
+          </a:graphicData>
+        </a:graphic>
+      </p:graphicFrame>
+      <p:sp>
+        <p:nvSpPr>
+          <p:cNvPr id="2" name="Slide Number Placeholder 1">
+            <a:extLst>
+              <a:ext uri="{FF2B5EF4-FFF2-40B4-BE49-F238E27FC236}">
+                <a16:creationId xmlns:a16="http://schemas.microsoft.com/office/drawing/2014/main" id="{928475B3-21DD-BA40-B148-30465F1A7974}"/>
+              </a:ext>
+            </a:extLst>
+          </p:cNvPr>
           <p:cNvSpPr>
             <a:spLocks noGrp="1"/>
           </p:cNvSpPr>
           <p:nvPr>
             <p:ph type="sldNum" sz="quarter" idx="12"/>
+          </p:nvPr>
+        </p:nvSpPr>
+        <p:spPr/>
+        <p:txBody>
+          <a:bodyPr/>
+          <a:lstStyle/>
+          <a:p>
+            <a:fld id="{7B5F8CF4-080C-6448-A4C0-B6A3C5CD13C0}" type="slidenum">
+              <a:rPr lang="en-US" smtClean="0"/>
+              <a:t>3</a:t>
+            </a:fld>
+            <a:endParaRPr lang="en-US"/>
+          </a:p>
+        </p:txBody>
+      </p:sp>
+    </p:spTree>
+    <p:extLst>
+      <p:ext uri="{BB962C8B-B14F-4D97-AF65-F5344CB8AC3E}">
+        <p14:creationId xmlns:p14="http://schemas.microsoft.com/office/powerpoint/2010/main" val="3347911101"/>
+      </p:ext>
+    </p:extLst>
+  </p:cSld>
+  <p:clrMapOvr>
+    <a:masterClrMapping/>
+  </p:clrMapOvr>
+</p:sld>
+</file>
+
+<file path=ppt/slides/slide4.xml><?xml version="1.0" encoding="utf-8"?>
+<p:sld xmlns:a="http://schemas.openxmlformats.org/drawingml/2006/main" xmlns:r="http://schemas.openxmlformats.org/officeDocument/2006/relationships" xmlns:p="http://schemas.openxmlformats.org/presentationml/2006/main">
+  <p:cSld>
+    <p:spTree>
+      <p:nvGrpSpPr>
+        <p:cNvPr id="1" name=""/>
+        <p:cNvGrpSpPr/>
+        <p:nvPr/>
+      </p:nvGrpSpPr>
+      <p:grpSpPr>
+        <a:xfrm>
+          <a:off x="0" y="0"/>
+          <a:ext cx="0" cy="0"/>
+          <a:chOff x="0" y="0"/>
+          <a:chExt cx="0" cy="0"/>
+        </a:xfrm>
+      </p:grpSpPr>
+      <p:sp>
+        <p:nvSpPr>
+          <p:cNvPr id="2" name="Title 1">
+            <a:extLst>
+              <a:ext uri="{FF2B5EF4-FFF2-40B4-BE49-F238E27FC236}">
+                <a16:creationId xmlns:a16="http://schemas.microsoft.com/office/drawing/2014/main" id="{9F025B8D-BA76-C546-BC8A-4CFEF787556C}"/>
+              </a:ext>
+            </a:extLst>
+          </p:cNvPr>
+          <p:cNvSpPr>
+            <a:spLocks noGrp="1"/>
+          </p:cNvSpPr>
+          <p:nvPr>
+            <p:ph type="title"/>
+          </p:nvPr>
+        </p:nvSpPr>
+        <p:spPr/>
+        <p:txBody>
+          <a:bodyPr/>
+          <a:lstStyle/>
+          <a:p>
+            <a:r>
+              <a:rPr lang="en-US" dirty="0"/>
+              <a:t>Steps to Create Event Graph Model</a:t>
+            </a:r>
+          </a:p>
+        </p:txBody>
+      </p:sp>
+      <p:sp>
+        <p:nvSpPr>
+          <p:cNvPr id="3" name="Content Placeholder 2">
+            <a:extLst>
+              <a:ext uri="{FF2B5EF4-FFF2-40B4-BE49-F238E27FC236}">
+                <a16:creationId xmlns:a16="http://schemas.microsoft.com/office/drawing/2014/main" id="{BAF1E835-D4E8-6745-B58D-5CD1998BEBD0}"/>
+              </a:ext>
+            </a:extLst>
+          </p:cNvPr>
+          <p:cNvSpPr>
+            <a:spLocks noGrp="1"/>
+          </p:cNvSpPr>
+          <p:nvPr>
+            <p:ph idx="1"/>
+          </p:nvPr>
+        </p:nvSpPr>
+        <p:spPr/>
+        <p:txBody>
+          <a:bodyPr/>
+          <a:lstStyle/>
+          <a:p>
+            <a:pPr marL="514350" indent="-514350">
+              <a:buFont typeface="+mj-lt"/>
+              <a:buAutoNum type="arabicPeriod"/>
+            </a:pPr>
+            <a:r>
+              <a:rPr lang="en-US" dirty="0"/>
+              <a:t>Define Parameters</a:t>
+            </a:r>
+          </a:p>
+          <a:p>
+            <a:pPr marL="514350" indent="-514350">
+              <a:buFont typeface="+mj-lt"/>
+              <a:buAutoNum type="arabicPeriod"/>
+            </a:pPr>
+            <a:r>
+              <a:rPr lang="en-US" dirty="0"/>
+              <a:t>Define State Variables</a:t>
+            </a:r>
+          </a:p>
+          <a:p>
+            <a:pPr marL="914400" lvl="1" indent="-514350"/>
+            <a:r>
+              <a:rPr lang="en-US" dirty="0"/>
+              <a:t>Be sure to include initial values</a:t>
+            </a:r>
+          </a:p>
+          <a:p>
+            <a:pPr marL="514350" indent="-514350">
+              <a:buFont typeface="+mj-lt"/>
+              <a:buAutoNum type="arabicPeriod"/>
+            </a:pPr>
+            <a:r>
+              <a:rPr lang="en-US" dirty="0"/>
+              <a:t>Identify state transitions and write as Events</a:t>
+            </a:r>
+          </a:p>
+          <a:p>
+            <a:pPr marL="514350" indent="-514350">
+              <a:buFont typeface="+mj-lt"/>
+              <a:buAutoNum type="arabicPeriod"/>
+            </a:pPr>
+            <a:r>
+              <a:rPr lang="en-US" dirty="0"/>
+              <a:t>Identify Scheduling Relationships and write as edges</a:t>
+            </a:r>
+          </a:p>
+        </p:txBody>
+      </p:sp>
+      <p:sp>
+        <p:nvSpPr>
+          <p:cNvPr id="5" name="Footer Placeholder 4">
+            <a:extLst>
+              <a:ext uri="{FF2B5EF4-FFF2-40B4-BE49-F238E27FC236}">
+                <a16:creationId xmlns:a16="http://schemas.microsoft.com/office/drawing/2014/main" id="{7B82663B-7294-5342-87F7-6A750C83F9E0}"/>
+              </a:ext>
+            </a:extLst>
+          </p:cNvPr>
+          <p:cNvSpPr>
+            <a:spLocks noGrp="1"/>
+          </p:cNvSpPr>
+          <p:nvPr>
+            <p:ph type="ftr" idx="11"/>
+          </p:nvPr>
+        </p:nvSpPr>
+        <p:spPr/>
+        <p:txBody>
+          <a:bodyPr/>
+          <a:lstStyle/>
+          <a:p>
+            <a:pPr>
+              <a:defRPr/>
+            </a:pPr>
+            <a:r>
+              <a:rPr lang="en-GB"/>
+              <a:t>DES Short Course - Session 4</a:t>
+            </a:r>
+          </a:p>
+        </p:txBody>
+      </p:sp>
+      <p:sp>
+        <p:nvSpPr>
+          <p:cNvPr id="4" name="Slide Number Placeholder 3">
+            <a:extLst>
+              <a:ext uri="{FF2B5EF4-FFF2-40B4-BE49-F238E27FC236}">
+                <a16:creationId xmlns:a16="http://schemas.microsoft.com/office/drawing/2014/main" id="{F5351609-374C-E740-99F4-14E2D39E0667}"/>
+              </a:ext>
+            </a:extLst>
+          </p:cNvPr>
+          <p:cNvSpPr>
+            <a:spLocks noGrp="1"/>
+          </p:cNvSpPr>
+          <p:nvPr>
+            <p:ph type="sldNum" sz="quarter" idx="12"/>
+          </p:nvPr>
+        </p:nvSpPr>
+        <p:spPr/>
+        <p:txBody>
+          <a:bodyPr/>
+          <a:lstStyle/>
+          <a:p>
+            <a:fld id="{7B5F8CF4-080C-6448-A4C0-B6A3C5CD13C0}" type="slidenum">
+              <a:rPr lang="en-US" smtClean="0"/>
+              <a:t>4</a:t>
+            </a:fld>
+            <a:endParaRPr lang="en-US"/>
+          </a:p>
+        </p:txBody>
+      </p:sp>
+    </p:spTree>
+    <p:extLst>
+      <p:ext uri="{BB962C8B-B14F-4D97-AF65-F5344CB8AC3E}">
+        <p14:creationId xmlns:p14="http://schemas.microsoft.com/office/powerpoint/2010/main" val="1299950273"/>
+      </p:ext>
+    </p:extLst>
+  </p:cSld>
+  <p:clrMapOvr>
+    <a:masterClrMapping/>
+  </p:clrMapOvr>
+</p:sld>
+</file>
+
+<file path=ppt/slides/slide5.xml><?xml version="1.0" encoding="utf-8"?>
+<p:sld xmlns:a="http://schemas.openxmlformats.org/drawingml/2006/main" xmlns:r="http://schemas.openxmlformats.org/officeDocument/2006/relationships" xmlns:p="http://schemas.openxmlformats.org/presentationml/2006/main">
+  <p:cSld>
+    <p:spTree>
+      <p:nvGrpSpPr>
+        <p:cNvPr id="1" name=""/>
+        <p:cNvGrpSpPr/>
+        <p:nvPr/>
+      </p:nvGrpSpPr>
+      <p:grpSpPr>
+        <a:xfrm>
+          <a:off x="0" y="0"/>
+          <a:ext cx="0" cy="0"/>
+          <a:chOff x="0" y="0"/>
+          <a:chExt cx="0" cy="0"/>
+        </a:xfrm>
+      </p:grpSpPr>
+      <p:sp>
+        <p:nvSpPr>
+          <p:cNvPr id="2" name="Title 1">
+            <a:extLst>
+              <a:ext uri="{FF2B5EF4-FFF2-40B4-BE49-F238E27FC236}">
+                <a16:creationId xmlns:a16="http://schemas.microsoft.com/office/drawing/2014/main" id="{1A3E6A6F-F604-2642-B83D-EE104A1B6F87}"/>
+              </a:ext>
+            </a:extLst>
+          </p:cNvPr>
+          <p:cNvSpPr>
+            <a:spLocks noGrp="1"/>
+          </p:cNvSpPr>
+          <p:nvPr>
+            <p:ph type="title"/>
+          </p:nvPr>
+        </p:nvSpPr>
+        <p:spPr/>
+        <p:txBody>
+          <a:bodyPr/>
+          <a:lstStyle/>
+          <a:p>
+            <a:r>
+              <a:rPr lang="en-US" dirty="0"/>
+              <a:t>Example: Arrival Process</a:t>
+            </a:r>
+          </a:p>
+        </p:txBody>
+      </p:sp>
+      <p:sp>
+        <p:nvSpPr>
+          <p:cNvPr id="3" name="Content Placeholder 2">
+            <a:extLst>
+              <a:ext uri="{FF2B5EF4-FFF2-40B4-BE49-F238E27FC236}">
+                <a16:creationId xmlns:a16="http://schemas.microsoft.com/office/drawing/2014/main" id="{55AE5541-3DB0-724E-B5CC-DB1E37509EA9}"/>
+              </a:ext>
+            </a:extLst>
+          </p:cNvPr>
+          <p:cNvSpPr>
+            <a:spLocks noGrp="1"/>
+          </p:cNvSpPr>
+          <p:nvPr>
+            <p:ph idx="1"/>
+          </p:nvPr>
+        </p:nvSpPr>
+        <p:spPr/>
+        <p:txBody>
+          <a:bodyPr/>
+          <a:lstStyle/>
+          <a:p>
+            <a:pPr marL="514350" indent="-514350">
+              <a:buFont typeface="+mj-lt"/>
+              <a:buAutoNum type="arabicPeriod"/>
+            </a:pPr>
+            <a:r>
+              <a:rPr lang="en-US" dirty="0"/>
+              <a:t>Define Parameters</a:t>
+            </a:r>
+          </a:p>
+          <a:p>
+            <a:pPr lvl="1"/>
+            <a:r>
+              <a:rPr lang="en-US" dirty="0"/>
+              <a:t>{</a:t>
+            </a:r>
+            <a:r>
+              <a:rPr lang="en-US" dirty="0" err="1"/>
+              <a:t>t</a:t>
+            </a:r>
+            <a:r>
+              <a:rPr lang="en-US" baseline="-25000" dirty="0" err="1"/>
+              <a:t>A</a:t>
+            </a:r>
+            <a:r>
+              <a:rPr lang="en-US" dirty="0"/>
+              <a:t>} = interarrival times</a:t>
+            </a:r>
+          </a:p>
+          <a:p>
+            <a:pPr marL="571500" indent="-514350">
+              <a:buFont typeface="+mj-lt"/>
+              <a:buAutoNum type="arabicPeriod"/>
+            </a:pPr>
+            <a:r>
+              <a:rPr lang="en-US" dirty="0"/>
+              <a:t>Define State Variables</a:t>
+            </a:r>
+          </a:p>
+          <a:p>
+            <a:pPr lvl="1"/>
+            <a:r>
+              <a:rPr lang="en-US" dirty="0"/>
+              <a:t>N = # arrivals</a:t>
+            </a:r>
+          </a:p>
+          <a:p>
+            <a:pPr lvl="1"/>
+            <a:r>
+              <a:rPr lang="en-US" dirty="0"/>
+              <a:t>Initial value: 0</a:t>
+            </a:r>
+          </a:p>
+          <a:p>
+            <a:pPr marL="514350" indent="-514350">
+              <a:buFont typeface="+mj-lt"/>
+              <a:buAutoNum type="arabicPeriod"/>
+            </a:pPr>
+            <a:r>
+              <a:rPr lang="en-US" dirty="0"/>
+              <a:t>Define State transitions</a:t>
+            </a:r>
+          </a:p>
+          <a:p>
+            <a:pPr marL="914400" lvl="1" indent="-514350"/>
+            <a:r>
+              <a:rPr lang="en-US" dirty="0"/>
+              <a:t>Initial: N = 0</a:t>
+            </a:r>
+          </a:p>
+          <a:p>
+            <a:pPr marL="914400" lvl="1" indent="-514350"/>
+            <a:r>
+              <a:rPr lang="en-US" dirty="0"/>
+              <a:t>Upon arrival: N = N + 1</a:t>
+            </a:r>
+          </a:p>
+        </p:txBody>
+      </p:sp>
+      <p:sp>
+        <p:nvSpPr>
+          <p:cNvPr id="5" name="Footer Placeholder 4">
+            <a:extLst>
+              <a:ext uri="{FF2B5EF4-FFF2-40B4-BE49-F238E27FC236}">
+                <a16:creationId xmlns:a16="http://schemas.microsoft.com/office/drawing/2014/main" id="{211A1F59-0BA5-E240-A1E4-BC530BBA866E}"/>
+              </a:ext>
+            </a:extLst>
+          </p:cNvPr>
+          <p:cNvSpPr>
+            <a:spLocks noGrp="1"/>
+          </p:cNvSpPr>
+          <p:nvPr>
+            <p:ph type="ftr" idx="11"/>
+          </p:nvPr>
+        </p:nvSpPr>
+        <p:spPr/>
+        <p:txBody>
+          <a:bodyPr/>
+          <a:lstStyle/>
+          <a:p>
+            <a:pPr>
+              <a:defRPr/>
+            </a:pPr>
+            <a:r>
+              <a:rPr lang="en-GB"/>
+              <a:t>DES Short Course - Session 4</a:t>
+            </a:r>
+          </a:p>
+        </p:txBody>
+      </p:sp>
+      <p:sp>
+        <p:nvSpPr>
+          <p:cNvPr id="4" name="Slide Number Placeholder 3">
+            <a:extLst>
+              <a:ext uri="{FF2B5EF4-FFF2-40B4-BE49-F238E27FC236}">
+                <a16:creationId xmlns:a16="http://schemas.microsoft.com/office/drawing/2014/main" id="{4BA1086E-3BB9-1E45-894E-6682F4A455DE}"/>
+              </a:ext>
+            </a:extLst>
+          </p:cNvPr>
+          <p:cNvSpPr>
+            <a:spLocks noGrp="1"/>
+          </p:cNvSpPr>
+          <p:nvPr>
+            <p:ph type="sldNum" sz="quarter" idx="12"/>
+          </p:nvPr>
+        </p:nvSpPr>
+        <p:spPr/>
+        <p:txBody>
+          <a:bodyPr/>
+          <a:lstStyle/>
+          <a:p>
+            <a:fld id="{7B5F8CF4-080C-6448-A4C0-B6A3C5CD13C0}" type="slidenum">
+              <a:rPr lang="en-US" smtClean="0"/>
+              <a:t>5</a:t>
+            </a:fld>
+            <a:endParaRPr lang="en-US"/>
+          </a:p>
+        </p:txBody>
+      </p:sp>
+    </p:spTree>
+    <p:extLst>
+      <p:ext uri="{BB962C8B-B14F-4D97-AF65-F5344CB8AC3E}">
+        <p14:creationId xmlns:p14="http://schemas.microsoft.com/office/powerpoint/2010/main" val="4058625162"/>
+      </p:ext>
+    </p:extLst>
+  </p:cSld>
+  <p:clrMapOvr>
+    <a:masterClrMapping/>
+  </p:clrMapOvr>
+</p:sld>
+</file>
+
+<file path=ppt/slides/slide6.xml><?xml version="1.0" encoding="utf-8"?>
+<p:sld xmlns:a="http://schemas.openxmlformats.org/drawingml/2006/main" xmlns:r="http://schemas.openxmlformats.org/officeDocument/2006/relationships" xmlns:p="http://schemas.openxmlformats.org/presentationml/2006/main">
+  <p:cSld>
+    <p:spTree>
+      <p:nvGrpSpPr>
+        <p:cNvPr id="1" name=""/>
+        <p:cNvGrpSpPr/>
+        <p:nvPr/>
+      </p:nvGrpSpPr>
+      <p:grpSpPr>
+        <a:xfrm>
+          <a:off x="0" y="0"/>
+          <a:ext cx="0" cy="0"/>
+          <a:chOff x="0" y="0"/>
+          <a:chExt cx="0" cy="0"/>
+        </a:xfrm>
+      </p:grpSpPr>
+      <p:sp>
+        <p:nvSpPr>
+          <p:cNvPr id="2" name="Title 1">
+            <a:extLst>
+              <a:ext uri="{FF2B5EF4-FFF2-40B4-BE49-F238E27FC236}">
+                <a16:creationId xmlns:a16="http://schemas.microsoft.com/office/drawing/2014/main" id="{57124382-A307-CD4A-89B1-624F5C85C363}"/>
+              </a:ext>
+            </a:extLst>
+          </p:cNvPr>
+          <p:cNvSpPr>
+            <a:spLocks noGrp="1"/>
+          </p:cNvSpPr>
+          <p:nvPr>
+            <p:ph type="title"/>
+          </p:nvPr>
+        </p:nvSpPr>
+        <p:spPr/>
+        <p:txBody>
+          <a:bodyPr/>
+          <a:lstStyle/>
+          <a:p>
+            <a:r>
+              <a:rPr lang="en-US" dirty="0"/>
+              <a:t>Arrival Process (</a:t>
+            </a:r>
+            <a:r>
+              <a:rPr lang="en-US" dirty="0" err="1"/>
+              <a:t>cont</a:t>
+            </a:r>
+            <a:r>
+              <a:rPr lang="en-US" dirty="0"/>
+              <a:t>)</a:t>
+            </a:r>
+          </a:p>
+        </p:txBody>
+      </p:sp>
+      <p:sp>
+        <p:nvSpPr>
+          <p:cNvPr id="3" name="Content Placeholder 2">
+            <a:extLst>
+              <a:ext uri="{FF2B5EF4-FFF2-40B4-BE49-F238E27FC236}">
+                <a16:creationId xmlns:a16="http://schemas.microsoft.com/office/drawing/2014/main" id="{0EB75230-250F-2E46-88CE-3286414E5F3C}"/>
+              </a:ext>
+            </a:extLst>
+          </p:cNvPr>
+          <p:cNvSpPr>
+            <a:spLocks noGrp="1"/>
+          </p:cNvSpPr>
+          <p:nvPr>
+            <p:ph idx="1"/>
+          </p:nvPr>
+        </p:nvSpPr>
+        <p:spPr/>
+        <p:txBody>
+          <a:bodyPr/>
+          <a:lstStyle/>
+          <a:p>
+            <a:pPr marL="514350" indent="-514350">
+              <a:buFont typeface="+mj-lt"/>
+              <a:buAutoNum type="arabicPeriod" startAt="3"/>
+            </a:pPr>
+            <a:r>
+              <a:rPr lang="en-US" dirty="0"/>
+              <a:t>(</a:t>
+            </a:r>
+            <a:r>
+              <a:rPr lang="en-US" dirty="0" err="1"/>
+              <a:t>cont</a:t>
+            </a:r>
+            <a:r>
+              <a:rPr lang="en-US" dirty="0"/>
+              <a:t>) Write state transitions as events</a:t>
+            </a:r>
+          </a:p>
+          <a:p>
+            <a:pPr marL="914400" lvl="1" indent="-514350"/>
+            <a:r>
+              <a:rPr lang="en-US" dirty="0"/>
+              <a:t>Initial event always called ‘Run’</a:t>
+            </a:r>
+          </a:p>
+          <a:p>
+            <a:pPr marL="914400" lvl="1" indent="-514350"/>
+            <a:r>
+              <a:rPr lang="en-US" dirty="0"/>
+              <a:t>Call event for state transition N = N + 1 ‘Arrival’</a:t>
+            </a:r>
+          </a:p>
+          <a:p>
+            <a:pPr marL="914400" lvl="1" indent="-514350"/>
+            <a:r>
+              <a:rPr lang="en-US" dirty="0"/>
+              <a:t>NOTE: The name ‘Arrival’ is </a:t>
+            </a:r>
+            <a:r>
+              <a:rPr lang="en-US" i="1" dirty="0"/>
+              <a:t>arbitrary</a:t>
+            </a:r>
+          </a:p>
+        </p:txBody>
+      </p:sp>
+      <p:sp>
+        <p:nvSpPr>
+          <p:cNvPr id="5" name="Footer Placeholder 4">
+            <a:extLst>
+              <a:ext uri="{FF2B5EF4-FFF2-40B4-BE49-F238E27FC236}">
+                <a16:creationId xmlns:a16="http://schemas.microsoft.com/office/drawing/2014/main" id="{610BEE45-E3B0-364A-B118-C5ECCB960AAF}"/>
+              </a:ext>
+            </a:extLst>
+          </p:cNvPr>
+          <p:cNvSpPr>
+            <a:spLocks noGrp="1"/>
+          </p:cNvSpPr>
+          <p:nvPr>
+            <p:ph type="ftr" idx="11"/>
+          </p:nvPr>
+        </p:nvSpPr>
+        <p:spPr/>
+        <p:txBody>
+          <a:bodyPr/>
+          <a:lstStyle/>
+          <a:p>
+            <a:pPr>
+              <a:defRPr/>
+            </a:pPr>
+            <a:r>
+              <a:rPr lang="en-GB"/>
+              <a:t>DES Short Course - Session 4</a:t>
+            </a:r>
+          </a:p>
+        </p:txBody>
+      </p:sp>
+      <p:pic>
+        <p:nvPicPr>
+          <p:cNvPr id="8" name="Picture 7">
+            <a:extLst>
+              <a:ext uri="{FF2B5EF4-FFF2-40B4-BE49-F238E27FC236}">
+                <a16:creationId xmlns:a16="http://schemas.microsoft.com/office/drawing/2014/main" id="{82B52252-6E39-7F43-B718-459B3D66177E}"/>
+              </a:ext>
+            </a:extLst>
+          </p:cNvPr>
+          <p:cNvPicPr>
+            <a:picLocks noChangeAspect="1"/>
+          </p:cNvPicPr>
+          <p:nvPr/>
+        </p:nvPicPr>
+        <p:blipFill>
+          <a:blip r:embed="rId2"/>
+          <a:stretch>
+            <a:fillRect/>
+          </a:stretch>
+        </p:blipFill>
+        <p:spPr>
+          <a:xfrm>
+            <a:off x="4131606" y="4591050"/>
+            <a:ext cx="3136900" cy="1333500"/>
+          </a:xfrm>
+          <a:prstGeom prst="rect">
+            <a:avLst/>
+          </a:prstGeom>
+        </p:spPr>
+      </p:pic>
+      <p:sp>
+        <p:nvSpPr>
+          <p:cNvPr id="4" name="Slide Number Placeholder 3">
+            <a:extLst>
+              <a:ext uri="{FF2B5EF4-FFF2-40B4-BE49-F238E27FC236}">
+                <a16:creationId xmlns:a16="http://schemas.microsoft.com/office/drawing/2014/main" id="{CC310216-5BE0-BD47-A2D0-DFD5FC420370}"/>
+              </a:ext>
+            </a:extLst>
+          </p:cNvPr>
+          <p:cNvSpPr>
+            <a:spLocks noGrp="1"/>
+          </p:cNvSpPr>
+          <p:nvPr>
+            <p:ph type="sldNum" sz="quarter" idx="12"/>
+          </p:nvPr>
+        </p:nvSpPr>
+        <p:spPr/>
+        <p:txBody>
+          <a:bodyPr/>
+          <a:lstStyle/>
+          <a:p>
+            <a:fld id="{7B5F8CF4-080C-6448-A4C0-B6A3C5CD13C0}" type="slidenum">
+              <a:rPr lang="en-US" smtClean="0"/>
+              <a:t>6</a:t>
+            </a:fld>
+            <a:endParaRPr lang="en-US"/>
+          </a:p>
+        </p:txBody>
+      </p:sp>
+    </p:spTree>
+    <p:extLst>
+      <p:ext uri="{BB962C8B-B14F-4D97-AF65-F5344CB8AC3E}">
+        <p14:creationId xmlns:p14="http://schemas.microsoft.com/office/powerpoint/2010/main" val="3278471706"/>
+      </p:ext>
+    </p:extLst>
+  </p:cSld>
+  <p:clrMapOvr>
+    <a:masterClrMapping/>
+  </p:clrMapOvr>
+</p:sld>
+</file>
+
+<file path=ppt/slides/slide7.xml><?xml version="1.0" encoding="utf-8"?>
+<p:sld xmlns:a="http://schemas.openxmlformats.org/drawingml/2006/main" xmlns:r="http://schemas.openxmlformats.org/officeDocument/2006/relationships" xmlns:p="http://schemas.openxmlformats.org/presentationml/2006/main">
+  <p:cSld>
+    <p:spTree>
+      <p:nvGrpSpPr>
+        <p:cNvPr id="1" name=""/>
+        <p:cNvGrpSpPr/>
+        <p:nvPr/>
+      </p:nvGrpSpPr>
+      <p:grpSpPr>
+        <a:xfrm>
+          <a:off x="0" y="0"/>
+          <a:ext cx="0" cy="0"/>
+          <a:chOff x="0" y="0"/>
+          <a:chExt cx="0" cy="0"/>
+        </a:xfrm>
+      </p:grpSpPr>
+      <p:sp>
+        <p:nvSpPr>
+          <p:cNvPr id="2" name="Title 1">
+            <a:extLst>
+              <a:ext uri="{FF2B5EF4-FFF2-40B4-BE49-F238E27FC236}">
+                <a16:creationId xmlns:a16="http://schemas.microsoft.com/office/drawing/2014/main" id="{15F7DCBF-5521-E44D-929E-98BA60A9E6AD}"/>
+              </a:ext>
+            </a:extLst>
+          </p:cNvPr>
+          <p:cNvSpPr>
+            <a:spLocks noGrp="1"/>
+          </p:cNvSpPr>
+          <p:nvPr>
+            <p:ph type="title"/>
+          </p:nvPr>
+        </p:nvSpPr>
+        <p:spPr/>
+        <p:txBody>
+          <a:bodyPr/>
+          <a:lstStyle/>
+          <a:p>
+            <a:r>
+              <a:rPr lang="en-US" dirty="0"/>
+              <a:t>Arrival Process (</a:t>
+            </a:r>
+            <a:r>
+              <a:rPr lang="en-US" dirty="0" err="1"/>
+              <a:t>cont</a:t>
+            </a:r>
+            <a:r>
+              <a:rPr lang="en-US" dirty="0"/>
+              <a:t>)</a:t>
+            </a:r>
+          </a:p>
+        </p:txBody>
+      </p:sp>
+      <p:sp>
+        <p:nvSpPr>
+          <p:cNvPr id="3" name="Content Placeholder 2">
+            <a:extLst>
+              <a:ext uri="{FF2B5EF4-FFF2-40B4-BE49-F238E27FC236}">
+                <a16:creationId xmlns:a16="http://schemas.microsoft.com/office/drawing/2014/main" id="{58CC4294-BA9C-8844-AFBF-FFBC391600A0}"/>
+              </a:ext>
+            </a:extLst>
+          </p:cNvPr>
+          <p:cNvSpPr>
+            <a:spLocks noGrp="1"/>
+          </p:cNvSpPr>
+          <p:nvPr>
+            <p:ph idx="1"/>
+          </p:nvPr>
+        </p:nvSpPr>
+        <p:spPr/>
+        <p:txBody>
+          <a:bodyPr/>
+          <a:lstStyle/>
+          <a:p>
+            <a:pPr marL="514350" indent="-514350">
+              <a:buFont typeface="+mj-lt"/>
+              <a:buAutoNum type="arabicPeriod" startAt="4"/>
+            </a:pPr>
+            <a:r>
+              <a:rPr lang="en-US" dirty="0"/>
+              <a:t>Identify Scheduling Relationships and write as edges</a:t>
+            </a:r>
+          </a:p>
+          <a:p>
+            <a:pPr marL="914400" lvl="1" indent="-514350"/>
+            <a:r>
+              <a:rPr lang="en-US" dirty="0"/>
+              <a:t>Run schedules first arrival with delay of </a:t>
+            </a:r>
+            <a:r>
+              <a:rPr lang="en-US" dirty="0" err="1"/>
+              <a:t>t</a:t>
+            </a:r>
+            <a:r>
+              <a:rPr lang="en-US" baseline="-25000" dirty="0" err="1"/>
+              <a:t>A</a:t>
+            </a:r>
+            <a:endParaRPr lang="en-US" baseline="-25000" dirty="0"/>
+          </a:p>
+          <a:p>
+            <a:pPr marL="914400" lvl="1" indent="-514350"/>
+            <a:r>
+              <a:rPr lang="en-US" dirty="0"/>
+              <a:t>Arrival schedules Arrival with delay of </a:t>
+            </a:r>
+            <a:r>
+              <a:rPr lang="en-US" dirty="0" err="1"/>
+              <a:t>t</a:t>
+            </a:r>
+            <a:r>
+              <a:rPr lang="en-US" baseline="-25000" dirty="0" err="1"/>
+              <a:t>A</a:t>
+            </a:r>
+            <a:endParaRPr lang="en-US" baseline="-25000" dirty="0"/>
+          </a:p>
+        </p:txBody>
+      </p:sp>
+      <p:sp>
+        <p:nvSpPr>
+          <p:cNvPr id="5" name="Footer Placeholder 4">
+            <a:extLst>
+              <a:ext uri="{FF2B5EF4-FFF2-40B4-BE49-F238E27FC236}">
+                <a16:creationId xmlns:a16="http://schemas.microsoft.com/office/drawing/2014/main" id="{F7F2EC6C-4E2E-214E-B551-215D2405FBCD}"/>
+              </a:ext>
+            </a:extLst>
+          </p:cNvPr>
+          <p:cNvSpPr>
+            <a:spLocks noGrp="1"/>
+          </p:cNvSpPr>
+          <p:nvPr>
+            <p:ph type="ftr" idx="11"/>
+          </p:nvPr>
+        </p:nvSpPr>
+        <p:spPr/>
+        <p:txBody>
+          <a:bodyPr/>
+          <a:lstStyle/>
+          <a:p>
+            <a:pPr>
+              <a:defRPr/>
+            </a:pPr>
+            <a:r>
+              <a:rPr lang="en-GB"/>
+              <a:t>DES Short Course - Session 4</a:t>
+            </a:r>
+          </a:p>
+        </p:txBody>
+      </p:sp>
+      <p:pic>
+        <p:nvPicPr>
+          <p:cNvPr id="7" name="Picture 6">
+            <a:extLst>
+              <a:ext uri="{FF2B5EF4-FFF2-40B4-BE49-F238E27FC236}">
+                <a16:creationId xmlns:a16="http://schemas.microsoft.com/office/drawing/2014/main" id="{6807E7EA-5CBB-6647-9A9A-055035BE8BC4}"/>
+              </a:ext>
+            </a:extLst>
+          </p:cNvPr>
+          <p:cNvPicPr>
+            <a:picLocks noChangeAspect="1"/>
+          </p:cNvPicPr>
+          <p:nvPr/>
+        </p:nvPicPr>
+        <p:blipFill>
+          <a:blip r:embed="rId2"/>
+          <a:stretch>
+            <a:fillRect/>
+          </a:stretch>
+        </p:blipFill>
+        <p:spPr>
+          <a:xfrm>
+            <a:off x="4343400" y="3962400"/>
+            <a:ext cx="3340100" cy="1993900"/>
+          </a:xfrm>
+          <a:prstGeom prst="rect">
+            <a:avLst/>
+          </a:prstGeom>
+        </p:spPr>
+      </p:pic>
+      <p:sp>
+        <p:nvSpPr>
+          <p:cNvPr id="4" name="Slide Number Placeholder 3">
+            <a:extLst>
+              <a:ext uri="{FF2B5EF4-FFF2-40B4-BE49-F238E27FC236}">
+                <a16:creationId xmlns:a16="http://schemas.microsoft.com/office/drawing/2014/main" id="{E6D4935F-B627-EF49-A65B-61925F588131}"/>
+              </a:ext>
+            </a:extLst>
+          </p:cNvPr>
+          <p:cNvSpPr>
+            <a:spLocks noGrp="1"/>
+          </p:cNvSpPr>
+          <p:nvPr>
+            <p:ph type="sldNum" sz="quarter" idx="12"/>
+          </p:nvPr>
+        </p:nvSpPr>
+        <p:spPr/>
+        <p:txBody>
+          <a:bodyPr/>
+          <a:lstStyle/>
+          <a:p>
+            <a:fld id="{7B5F8CF4-080C-6448-A4C0-B6A3C5CD13C0}" type="slidenum">
+              <a:rPr lang="en-US" smtClean="0"/>
+              <a:t>7</a:t>
+            </a:fld>
+            <a:endParaRPr lang="en-US"/>
+          </a:p>
+        </p:txBody>
+      </p:sp>
+    </p:spTree>
+    <p:extLst>
+      <p:ext uri="{BB962C8B-B14F-4D97-AF65-F5344CB8AC3E}">
+        <p14:creationId xmlns:p14="http://schemas.microsoft.com/office/powerpoint/2010/main" val="1900744323"/>
+      </p:ext>
+    </p:extLst>
+  </p:cSld>
+  <p:clrMapOvr>
+    <a:masterClrMapping/>
+  </p:clrMapOvr>
+</p:sld>
+</file>
+
+<file path=ppt/slides/slide8.xml><?xml version="1.0" encoding="utf-8"?>
+<p:sld xmlns:a="http://schemas.openxmlformats.org/drawingml/2006/main" xmlns:r="http://schemas.openxmlformats.org/officeDocument/2006/relationships" xmlns:p="http://schemas.openxmlformats.org/presentationml/2006/main">
+  <p:cSld>
+    <p:spTree>
+      <p:nvGrpSpPr>
+        <p:cNvPr id="1" name=""/>
+        <p:cNvGrpSpPr/>
+        <p:nvPr/>
+      </p:nvGrpSpPr>
+      <p:grpSpPr>
+        <a:xfrm>
+          <a:off x="0" y="0"/>
+          <a:ext cx="0" cy="0"/>
+          <a:chOff x="0" y="0"/>
+          <a:chExt cx="0" cy="0"/>
+        </a:xfrm>
+      </p:grpSpPr>
+      <p:sp>
+        <p:nvSpPr>
+          <p:cNvPr id="4099" name="Footer Placeholder 4"/>
+          <p:cNvSpPr>
+            <a:spLocks noGrp="1"/>
+          </p:cNvSpPr>
+          <p:nvPr>
+            <p:ph type="ftr" sz="quarter" idx="11"/>
           </p:nvPr>
         </p:nvSpPr>
         <p:spPr>
@@ -9205,14 +9563,14 @@
           <a:ln/>
           <a:extLst>
             <a:ext uri="{909E8E84-426E-40dd-AFC4-6F175D3DCCD1}">
-              <a14:hiddenFill xmlns="" xmlns:a14="http://schemas.microsoft.com/office/drawing/2010/main">
+              <a14:hiddenFill xmlns:a14="http://schemas.microsoft.com/office/drawing/2010/main" xmlns="">
                 <a:solidFill>
                   <a:srgbClr val="FFFFFF"/>
                 </a:solidFill>
               </a14:hiddenFill>
             </a:ext>
             <a:ext uri="{91240B29-F687-4f45-9708-019B960494DF}">
-              <a14:hiddenLine xmlns="" xmlns:a14="http://schemas.microsoft.com/office/drawing/2010/main" w="9525">
+              <a14:hiddenLine xmlns:a14="http://schemas.microsoft.com/office/drawing/2010/main" xmlns="" w="9525">
                 <a:solidFill>
                   <a:srgbClr val="000000"/>
                 </a:solidFill>
@@ -9343,1396 +9701,10 @@
           </a:lstStyle>
           <a:p>
             <a:pPr eaLnBrk="1" hangingPunct="1"/>
-            <a:fld id="{64512460-8893-4745-BDE0-988684940FC0}" type="slidenum">
-              <a:rPr lang="en-US"/>
-              <a:pPr eaLnBrk="1" hangingPunct="1"/>
-              <a:t>3</a:t>
-            </a:fld>
-            <a:endParaRPr lang="en-US"/>
-          </a:p>
-        </p:txBody>
-      </p:sp>
-      <p:sp>
-        <p:nvSpPr>
-          <p:cNvPr id="1030" name="Rectangle 2"/>
-          <p:cNvSpPr>
-            <a:spLocks noGrp="1" noChangeArrowheads="1"/>
-          </p:cNvSpPr>
-          <p:nvPr>
-            <p:ph type="title"/>
-          </p:nvPr>
-        </p:nvSpPr>
-        <p:spPr/>
-        <p:txBody>
-          <a:bodyPr/>
-          <a:lstStyle/>
-          <a:p>
-            <a:pPr eaLnBrk="1" hangingPunct="1"/>
-            <a:r>
-              <a:rPr lang="en-US">
-                <a:latin typeface="Arial" charset="0"/>
-                <a:cs typeface="Arial" charset="0"/>
-              </a:rPr>
-              <a:t>Event Graph Methodology</a:t>
-            </a:r>
-          </a:p>
-        </p:txBody>
-      </p:sp>
-      <p:sp>
-        <p:nvSpPr>
-          <p:cNvPr id="1031" name="Rectangle 5"/>
-          <p:cNvSpPr>
-            <a:spLocks noGrp="1" noChangeArrowheads="1"/>
-          </p:cNvSpPr>
-          <p:nvPr>
-            <p:ph type="body" idx="1"/>
-          </p:nvPr>
-        </p:nvSpPr>
-        <p:spPr/>
-        <p:txBody>
-          <a:bodyPr/>
-          <a:lstStyle/>
-          <a:p>
-            <a:pPr eaLnBrk="1" hangingPunct="1"/>
-            <a:r>
-              <a:rPr lang="en-US">
-                <a:latin typeface="Arial" charset="0"/>
-                <a:cs typeface="Arial" charset="0"/>
-              </a:rPr>
-              <a:t>Node: State Transition</a:t>
-            </a:r>
-          </a:p>
-          <a:p>
-            <a:pPr eaLnBrk="1" hangingPunct="1"/>
-            <a:r>
-              <a:rPr lang="en-US">
-                <a:latin typeface="Arial" charset="0"/>
-                <a:cs typeface="Arial" charset="0"/>
-              </a:rPr>
-              <a:t>Edge: Scheduling Relationship</a:t>
-            </a:r>
-          </a:p>
-          <a:p>
-            <a:pPr eaLnBrk="1" hangingPunct="1"/>
-            <a:r>
-              <a:rPr lang="en-US">
-                <a:latin typeface="Arial" charset="0"/>
-                <a:cs typeface="Arial" charset="0"/>
-              </a:rPr>
-              <a:t>When Event A occurs, if condition (i) is true, then Event B is scheduled after a delay of </a:t>
-            </a:r>
-            <a:r>
-              <a:rPr lang="en-US" i="1">
-                <a:latin typeface="Arial" charset="0"/>
-                <a:cs typeface="Arial" charset="0"/>
-              </a:rPr>
-              <a:t>t</a:t>
-            </a:r>
-          </a:p>
-          <a:p>
-            <a:pPr eaLnBrk="1" hangingPunct="1"/>
-            <a:endParaRPr lang="en-US">
-              <a:latin typeface="Arial" charset="0"/>
-              <a:cs typeface="Arial" charset="0"/>
-            </a:endParaRPr>
-          </a:p>
-        </p:txBody>
-      </p:sp>
-      <p:graphicFrame>
-        <p:nvGraphicFramePr>
-          <p:cNvPr id="1026" name="Object 2"/>
-          <p:cNvGraphicFramePr>
-            <a:graphicFrameLocks noGrp="1" noChangeAspect="1"/>
-          </p:cNvGraphicFramePr>
-          <p:nvPr>
-            <p:ph sz="half" idx="4294967295"/>
-          </p:nvPr>
-        </p:nvGraphicFramePr>
-        <p:xfrm>
-          <a:off x="3810000" y="4495800"/>
-          <a:ext cx="4572000" cy="1220788"/>
-        </p:xfrm>
-        <a:graphic>
-          <a:graphicData uri="http://schemas.openxmlformats.org/presentationml/2006/ole">
-            <mc:AlternateContent xmlns:mc="http://schemas.openxmlformats.org/markup-compatibility/2006">
-              <mc:Choice xmlns:v="urn:schemas-microsoft-com:vml" Requires="v">
-                <p:oleObj spid="_x0000_s1026" name="Visio" r:id="rId3" imgW="2811981" imgH="751548" progId="Visio.Drawing.11">
-                  <p:embed/>
-                </p:oleObj>
-              </mc:Choice>
-              <mc:Fallback>
-                <p:oleObj name="Visio" r:id="rId3" imgW="2811981" imgH="751548" progId="Visio.Drawing.11">
-                  <p:embed/>
-                  <p:pic>
-                    <p:nvPicPr>
-                      <p:cNvPr id="1026" name="Object 2"/>
-                      <p:cNvPicPr>
-                        <a:picLocks noChangeAspect="1" noChangeArrowheads="1"/>
-                      </p:cNvPicPr>
-                      <p:nvPr/>
-                    </p:nvPicPr>
-                    <p:blipFill>
-                      <a:blip r:embed="rId4">
-                        <a:extLst>
-                          <a:ext uri="{28A0092B-C50C-407E-A947-70E740481C1C}">
-                            <a14:useLocalDpi xmlns:a14="http://schemas.microsoft.com/office/drawing/2010/main" val="0"/>
-                          </a:ext>
-                        </a:extLst>
-                      </a:blip>
-                      <a:srcRect/>
-                      <a:stretch>
-                        <a:fillRect/>
-                      </a:stretch>
-                    </p:blipFill>
-                    <p:spPr bwMode="auto">
-                      <a:xfrm>
-                        <a:off x="3810000" y="4495800"/>
-                        <a:ext cx="4572000" cy="1220788"/>
-                      </a:xfrm>
-                      <a:prstGeom prst="rect">
-                        <a:avLst/>
-                      </a:prstGeom>
-                      <a:noFill/>
-                      <a:ln>
-                        <a:noFill/>
-                      </a:ln>
-                      <a:effectLst/>
-                      <a:extLst>
-                        <a:ext uri="{909E8E84-426E-40dd-AFC4-6F175D3DCCD1}">
-                          <a14:hiddenFill xmlns="" xmlns:a14="http://schemas.microsoft.com/office/drawing/2010/main">
-                            <a:solidFill>
-                              <a:schemeClr val="accent1"/>
-                            </a:solidFill>
-                          </a14:hiddenFill>
-                        </a:ext>
-                        <a:ext uri="{91240B29-F687-4f45-9708-019B960494DF}">
-                          <a14:hiddenLine xmlns="" xmlns:a14="http://schemas.microsoft.com/office/drawing/2010/main" w="9525">
-                            <a:solidFill>
-                              <a:schemeClr val="tx1"/>
-                            </a:solidFill>
-                            <a:miter lim="800000"/>
-                            <a:headEnd/>
-                            <a:tailEnd/>
-                          </a14:hiddenLine>
-                        </a:ext>
-                        <a:ext uri="{AF507438-7753-43e0-B8FC-AC1667EBCBE1}">
-                          <a14:hiddenEffects xmlns="" xmlns:a14="http://schemas.microsoft.com/office/drawing/2010/main">
-                            <a:effectLst>
-                              <a:outerShdw blurRad="63500" dist="38099" dir="2700000" algn="ctr" rotWithShape="0">
-                                <a:schemeClr val="bg2">
-                                  <a:alpha val="74998"/>
-                                </a:schemeClr>
-                              </a:outerShdw>
-                            </a:effectLst>
-                          </a14:hiddenEffects>
-                        </a:ext>
-                      </a:extLst>
-                    </p:spPr>
-                  </p:pic>
-                </p:oleObj>
-              </mc:Fallback>
-            </mc:AlternateContent>
-          </a:graphicData>
-        </a:graphic>
-      </p:graphicFrame>
-    </p:spTree>
-    <p:extLst>
-      <p:ext uri="{BB962C8B-B14F-4D97-AF65-F5344CB8AC3E}">
-        <p14:creationId xmlns:p14="http://schemas.microsoft.com/office/powerpoint/2010/main" val="3347911101"/>
-      </p:ext>
-    </p:extLst>
-  </p:cSld>
-  <p:clrMapOvr>
-    <a:masterClrMapping/>
-  </p:clrMapOvr>
-</p:sld>
-</file>
-
-<file path=ppt/slides/slide4.xml><?xml version="1.0" encoding="utf-8"?>
-<p:sld xmlns:a="http://schemas.openxmlformats.org/drawingml/2006/main" xmlns:r="http://schemas.openxmlformats.org/officeDocument/2006/relationships" xmlns:p="http://schemas.openxmlformats.org/presentationml/2006/main">
-  <p:cSld>
-    <p:spTree>
-      <p:nvGrpSpPr>
-        <p:cNvPr id="1" name=""/>
-        <p:cNvGrpSpPr/>
-        <p:nvPr/>
-      </p:nvGrpSpPr>
-      <p:grpSpPr>
-        <a:xfrm>
-          <a:off x="0" y="0"/>
-          <a:ext cx="0" cy="0"/>
-          <a:chOff x="0" y="0"/>
-          <a:chExt cx="0" cy="0"/>
-        </a:xfrm>
-      </p:grpSpPr>
-      <p:sp>
-        <p:nvSpPr>
-          <p:cNvPr id="2" name="Title 1">
-            <a:extLst>
-              <a:ext uri="{FF2B5EF4-FFF2-40B4-BE49-F238E27FC236}">
-                <a16:creationId xmlns:a16="http://schemas.microsoft.com/office/drawing/2014/main" id="{9F025B8D-BA76-C546-BC8A-4CFEF787556C}"/>
-              </a:ext>
-            </a:extLst>
-          </p:cNvPr>
-          <p:cNvSpPr>
-            <a:spLocks noGrp="1"/>
-          </p:cNvSpPr>
-          <p:nvPr>
-            <p:ph type="title"/>
-          </p:nvPr>
-        </p:nvSpPr>
-        <p:spPr/>
-        <p:txBody>
-          <a:bodyPr/>
-          <a:lstStyle/>
-          <a:p>
-            <a:r>
-              <a:rPr lang="en-US" dirty="0"/>
-              <a:t>Steps to Create Event Graph Model</a:t>
-            </a:r>
-          </a:p>
-        </p:txBody>
-      </p:sp>
-      <p:sp>
-        <p:nvSpPr>
-          <p:cNvPr id="3" name="Content Placeholder 2">
-            <a:extLst>
-              <a:ext uri="{FF2B5EF4-FFF2-40B4-BE49-F238E27FC236}">
-                <a16:creationId xmlns:a16="http://schemas.microsoft.com/office/drawing/2014/main" id="{BAF1E835-D4E8-6745-B58D-5CD1998BEBD0}"/>
-              </a:ext>
-            </a:extLst>
-          </p:cNvPr>
-          <p:cNvSpPr>
-            <a:spLocks noGrp="1"/>
-          </p:cNvSpPr>
-          <p:nvPr>
-            <p:ph idx="1"/>
-          </p:nvPr>
-        </p:nvSpPr>
-        <p:spPr/>
-        <p:txBody>
-          <a:bodyPr/>
-          <a:lstStyle/>
-          <a:p>
-            <a:pPr marL="514350" indent="-514350">
-              <a:buFont typeface="+mj-lt"/>
-              <a:buAutoNum type="arabicPeriod"/>
-            </a:pPr>
-            <a:r>
-              <a:rPr lang="en-US" dirty="0"/>
-              <a:t>Define Parameters</a:t>
-            </a:r>
-          </a:p>
-          <a:p>
-            <a:pPr marL="514350" indent="-514350">
-              <a:buFont typeface="+mj-lt"/>
-              <a:buAutoNum type="arabicPeriod"/>
-            </a:pPr>
-            <a:r>
-              <a:rPr lang="en-US" dirty="0"/>
-              <a:t>Define State Variables</a:t>
-            </a:r>
-          </a:p>
-          <a:p>
-            <a:pPr marL="914400" lvl="1" indent="-514350"/>
-            <a:r>
-              <a:rPr lang="en-US" dirty="0"/>
-              <a:t>Be sure to include initial values</a:t>
-            </a:r>
-          </a:p>
-          <a:p>
-            <a:pPr marL="514350" indent="-514350">
-              <a:buFont typeface="+mj-lt"/>
-              <a:buAutoNum type="arabicPeriod"/>
-            </a:pPr>
-            <a:r>
-              <a:rPr lang="en-US" dirty="0"/>
-              <a:t>Identify state transitions and write as Events</a:t>
-            </a:r>
-          </a:p>
-          <a:p>
-            <a:pPr marL="514350" indent="-514350">
-              <a:buFont typeface="+mj-lt"/>
-              <a:buAutoNum type="arabicPeriod"/>
-            </a:pPr>
-            <a:r>
-              <a:rPr lang="en-US" dirty="0"/>
-              <a:t>Identify Scheduling Relationships and write as edges</a:t>
-            </a:r>
-          </a:p>
-        </p:txBody>
-      </p:sp>
-      <p:sp>
-        <p:nvSpPr>
-          <p:cNvPr id="5" name="Footer Placeholder 4">
-            <a:extLst>
-              <a:ext uri="{FF2B5EF4-FFF2-40B4-BE49-F238E27FC236}">
-                <a16:creationId xmlns:a16="http://schemas.microsoft.com/office/drawing/2014/main" id="{7B82663B-7294-5342-87F7-6A750C83F9E0}"/>
-              </a:ext>
-            </a:extLst>
-          </p:cNvPr>
-          <p:cNvSpPr>
-            <a:spLocks noGrp="1"/>
-          </p:cNvSpPr>
-          <p:nvPr>
-            <p:ph type="ftr" idx="11"/>
-          </p:nvPr>
-        </p:nvSpPr>
-        <p:spPr/>
-        <p:txBody>
-          <a:bodyPr/>
-          <a:lstStyle/>
-          <a:p>
-            <a:pPr>
-              <a:defRPr/>
-            </a:pPr>
-            <a:r>
-              <a:rPr lang="en-GB"/>
-              <a:t>DES Short Course - Session 4</a:t>
-            </a:r>
-          </a:p>
-        </p:txBody>
-      </p:sp>
-      <p:sp>
-        <p:nvSpPr>
-          <p:cNvPr id="6" name="Slide Number Placeholder 5">
-            <a:extLst>
-              <a:ext uri="{FF2B5EF4-FFF2-40B4-BE49-F238E27FC236}">
-                <a16:creationId xmlns:a16="http://schemas.microsoft.com/office/drawing/2014/main" id="{36FEDAA5-9066-8140-AFFE-6DE19985172C}"/>
-              </a:ext>
-            </a:extLst>
-          </p:cNvPr>
-          <p:cNvSpPr>
-            <a:spLocks noGrp="1"/>
-          </p:cNvSpPr>
-          <p:nvPr>
-            <p:ph type="sldNum" idx="12"/>
-          </p:nvPr>
-        </p:nvSpPr>
-        <p:spPr/>
-        <p:txBody>
-          <a:bodyPr/>
-          <a:lstStyle/>
-          <a:p>
-            <a:fld id="{2C872155-2C61-9C4F-913C-FEC05CAEFC81}" type="slidenum">
-              <a:rPr lang="en-GB" smtClean="0"/>
-              <a:pPr/>
-              <a:t>4</a:t>
-            </a:fld>
-            <a:endParaRPr lang="en-GB"/>
-          </a:p>
-        </p:txBody>
-      </p:sp>
-    </p:spTree>
-    <p:extLst>
-      <p:ext uri="{BB962C8B-B14F-4D97-AF65-F5344CB8AC3E}">
-        <p14:creationId xmlns:p14="http://schemas.microsoft.com/office/powerpoint/2010/main" val="1299950273"/>
-      </p:ext>
-    </p:extLst>
-  </p:cSld>
-  <p:clrMapOvr>
-    <a:masterClrMapping/>
-  </p:clrMapOvr>
-</p:sld>
-</file>
-
-<file path=ppt/slides/slide5.xml><?xml version="1.0" encoding="utf-8"?>
-<p:sld xmlns:a="http://schemas.openxmlformats.org/drawingml/2006/main" xmlns:r="http://schemas.openxmlformats.org/officeDocument/2006/relationships" xmlns:p="http://schemas.openxmlformats.org/presentationml/2006/main">
-  <p:cSld>
-    <p:spTree>
-      <p:nvGrpSpPr>
-        <p:cNvPr id="1" name=""/>
-        <p:cNvGrpSpPr/>
-        <p:nvPr/>
-      </p:nvGrpSpPr>
-      <p:grpSpPr>
-        <a:xfrm>
-          <a:off x="0" y="0"/>
-          <a:ext cx="0" cy="0"/>
-          <a:chOff x="0" y="0"/>
-          <a:chExt cx="0" cy="0"/>
-        </a:xfrm>
-      </p:grpSpPr>
-      <p:sp>
-        <p:nvSpPr>
-          <p:cNvPr id="2" name="Title 1">
-            <a:extLst>
-              <a:ext uri="{FF2B5EF4-FFF2-40B4-BE49-F238E27FC236}">
-                <a16:creationId xmlns:a16="http://schemas.microsoft.com/office/drawing/2014/main" id="{1A3E6A6F-F604-2642-B83D-EE104A1B6F87}"/>
-              </a:ext>
-            </a:extLst>
-          </p:cNvPr>
-          <p:cNvSpPr>
-            <a:spLocks noGrp="1"/>
-          </p:cNvSpPr>
-          <p:nvPr>
-            <p:ph type="title"/>
-          </p:nvPr>
-        </p:nvSpPr>
-        <p:spPr/>
-        <p:txBody>
-          <a:bodyPr/>
-          <a:lstStyle/>
-          <a:p>
-            <a:r>
-              <a:rPr lang="en-US" dirty="0"/>
-              <a:t>Example: Arrival Process</a:t>
-            </a:r>
-          </a:p>
-        </p:txBody>
-      </p:sp>
-      <p:sp>
-        <p:nvSpPr>
-          <p:cNvPr id="3" name="Content Placeholder 2">
-            <a:extLst>
-              <a:ext uri="{FF2B5EF4-FFF2-40B4-BE49-F238E27FC236}">
-                <a16:creationId xmlns:a16="http://schemas.microsoft.com/office/drawing/2014/main" id="{55AE5541-3DB0-724E-B5CC-DB1E37509EA9}"/>
-              </a:ext>
-            </a:extLst>
-          </p:cNvPr>
-          <p:cNvSpPr>
-            <a:spLocks noGrp="1"/>
-          </p:cNvSpPr>
-          <p:nvPr>
-            <p:ph idx="1"/>
-          </p:nvPr>
-        </p:nvSpPr>
-        <p:spPr/>
-        <p:txBody>
-          <a:bodyPr/>
-          <a:lstStyle/>
-          <a:p>
-            <a:pPr marL="514350" indent="-514350">
-              <a:buFont typeface="+mj-lt"/>
-              <a:buAutoNum type="arabicPeriod"/>
-            </a:pPr>
-            <a:r>
-              <a:rPr lang="en-US" dirty="0"/>
-              <a:t>Define Parameters</a:t>
-            </a:r>
-          </a:p>
-          <a:p>
-            <a:pPr lvl="1"/>
-            <a:r>
-              <a:rPr lang="en-US" dirty="0"/>
-              <a:t>{</a:t>
-            </a:r>
-            <a:r>
-              <a:rPr lang="en-US" dirty="0" err="1"/>
-              <a:t>t</a:t>
-            </a:r>
-            <a:r>
-              <a:rPr lang="en-US" baseline="-25000" dirty="0" err="1"/>
-              <a:t>A</a:t>
-            </a:r>
-            <a:r>
-              <a:rPr lang="en-US" dirty="0"/>
-              <a:t>} = interarrival times</a:t>
-            </a:r>
-          </a:p>
-          <a:p>
-            <a:pPr marL="571500" indent="-514350">
-              <a:buFont typeface="+mj-lt"/>
-              <a:buAutoNum type="arabicPeriod"/>
-            </a:pPr>
-            <a:r>
-              <a:rPr lang="en-US" dirty="0"/>
-              <a:t>Define State Variables</a:t>
-            </a:r>
-          </a:p>
-          <a:p>
-            <a:pPr lvl="1"/>
-            <a:r>
-              <a:rPr lang="en-US" dirty="0"/>
-              <a:t>N = # arrivals</a:t>
-            </a:r>
-          </a:p>
-          <a:p>
-            <a:pPr lvl="1"/>
-            <a:r>
-              <a:rPr lang="en-US" dirty="0"/>
-              <a:t>Initial value: 0</a:t>
-            </a:r>
-          </a:p>
-          <a:p>
-            <a:pPr marL="514350" indent="-514350">
-              <a:buFont typeface="+mj-lt"/>
-              <a:buAutoNum type="arabicPeriod"/>
-            </a:pPr>
-            <a:r>
-              <a:rPr lang="en-US" dirty="0"/>
-              <a:t>Define State transitions</a:t>
-            </a:r>
-          </a:p>
-          <a:p>
-            <a:pPr marL="914400" lvl="1" indent="-514350"/>
-            <a:r>
-              <a:rPr lang="en-US" dirty="0"/>
-              <a:t>Initial: N = 0</a:t>
-            </a:r>
-          </a:p>
-          <a:p>
-            <a:pPr marL="914400" lvl="1" indent="-514350"/>
-            <a:r>
-              <a:rPr lang="en-US" dirty="0"/>
-              <a:t>Upon arrival: N = N + 1</a:t>
-            </a:r>
-          </a:p>
-        </p:txBody>
-      </p:sp>
-      <p:sp>
-        <p:nvSpPr>
-          <p:cNvPr id="5" name="Footer Placeholder 4">
-            <a:extLst>
-              <a:ext uri="{FF2B5EF4-FFF2-40B4-BE49-F238E27FC236}">
-                <a16:creationId xmlns:a16="http://schemas.microsoft.com/office/drawing/2014/main" id="{211A1F59-0BA5-E240-A1E4-BC530BBA866E}"/>
-              </a:ext>
-            </a:extLst>
-          </p:cNvPr>
-          <p:cNvSpPr>
-            <a:spLocks noGrp="1"/>
-          </p:cNvSpPr>
-          <p:nvPr>
-            <p:ph type="ftr" idx="11"/>
-          </p:nvPr>
-        </p:nvSpPr>
-        <p:spPr/>
-        <p:txBody>
-          <a:bodyPr/>
-          <a:lstStyle/>
-          <a:p>
-            <a:pPr>
-              <a:defRPr/>
-            </a:pPr>
-            <a:r>
-              <a:rPr lang="en-GB"/>
-              <a:t>DES Short Course - Session 4</a:t>
-            </a:r>
-          </a:p>
-        </p:txBody>
-      </p:sp>
-      <p:sp>
-        <p:nvSpPr>
-          <p:cNvPr id="6" name="Slide Number Placeholder 5">
-            <a:extLst>
-              <a:ext uri="{FF2B5EF4-FFF2-40B4-BE49-F238E27FC236}">
-                <a16:creationId xmlns:a16="http://schemas.microsoft.com/office/drawing/2014/main" id="{7844A7E2-357F-0245-A954-F0E79D6C831B}"/>
-              </a:ext>
-            </a:extLst>
-          </p:cNvPr>
-          <p:cNvSpPr>
-            <a:spLocks noGrp="1"/>
-          </p:cNvSpPr>
-          <p:nvPr>
-            <p:ph type="sldNum" idx="12"/>
-          </p:nvPr>
-        </p:nvSpPr>
-        <p:spPr/>
-        <p:txBody>
-          <a:bodyPr/>
-          <a:lstStyle/>
-          <a:p>
-            <a:fld id="{2C872155-2C61-9C4F-913C-FEC05CAEFC81}" type="slidenum">
-              <a:rPr lang="en-GB" smtClean="0"/>
-              <a:pPr/>
-              <a:t>5</a:t>
-            </a:fld>
-            <a:endParaRPr lang="en-GB" dirty="0"/>
-          </a:p>
-        </p:txBody>
-      </p:sp>
-    </p:spTree>
-    <p:extLst>
-      <p:ext uri="{BB962C8B-B14F-4D97-AF65-F5344CB8AC3E}">
-        <p14:creationId xmlns:p14="http://schemas.microsoft.com/office/powerpoint/2010/main" val="4058625162"/>
-      </p:ext>
-    </p:extLst>
-  </p:cSld>
-  <p:clrMapOvr>
-    <a:masterClrMapping/>
-  </p:clrMapOvr>
-</p:sld>
-</file>
-
-<file path=ppt/slides/slide6.xml><?xml version="1.0" encoding="utf-8"?>
-<p:sld xmlns:a="http://schemas.openxmlformats.org/drawingml/2006/main" xmlns:r="http://schemas.openxmlformats.org/officeDocument/2006/relationships" xmlns:p="http://schemas.openxmlformats.org/presentationml/2006/main">
-  <p:cSld>
-    <p:spTree>
-      <p:nvGrpSpPr>
-        <p:cNvPr id="1" name=""/>
-        <p:cNvGrpSpPr/>
-        <p:nvPr/>
-      </p:nvGrpSpPr>
-      <p:grpSpPr>
-        <a:xfrm>
-          <a:off x="0" y="0"/>
-          <a:ext cx="0" cy="0"/>
-          <a:chOff x="0" y="0"/>
-          <a:chExt cx="0" cy="0"/>
-        </a:xfrm>
-      </p:grpSpPr>
-      <p:sp>
-        <p:nvSpPr>
-          <p:cNvPr id="2" name="Title 1">
-            <a:extLst>
-              <a:ext uri="{FF2B5EF4-FFF2-40B4-BE49-F238E27FC236}">
-                <a16:creationId xmlns:a16="http://schemas.microsoft.com/office/drawing/2014/main" id="{57124382-A307-CD4A-89B1-624F5C85C363}"/>
-              </a:ext>
-            </a:extLst>
-          </p:cNvPr>
-          <p:cNvSpPr>
-            <a:spLocks noGrp="1"/>
-          </p:cNvSpPr>
-          <p:nvPr>
-            <p:ph type="title"/>
-          </p:nvPr>
-        </p:nvSpPr>
-        <p:spPr/>
-        <p:txBody>
-          <a:bodyPr/>
-          <a:lstStyle/>
-          <a:p>
-            <a:r>
-              <a:rPr lang="en-US" dirty="0"/>
-              <a:t>Arrival Process (</a:t>
-            </a:r>
-            <a:r>
-              <a:rPr lang="en-US" dirty="0" err="1"/>
-              <a:t>cont</a:t>
-            </a:r>
-            <a:r>
-              <a:rPr lang="en-US" dirty="0"/>
-              <a:t>)</a:t>
-            </a:r>
-          </a:p>
-        </p:txBody>
-      </p:sp>
-      <p:sp>
-        <p:nvSpPr>
-          <p:cNvPr id="3" name="Content Placeholder 2">
-            <a:extLst>
-              <a:ext uri="{FF2B5EF4-FFF2-40B4-BE49-F238E27FC236}">
-                <a16:creationId xmlns:a16="http://schemas.microsoft.com/office/drawing/2014/main" id="{0EB75230-250F-2E46-88CE-3286414E5F3C}"/>
-              </a:ext>
-            </a:extLst>
-          </p:cNvPr>
-          <p:cNvSpPr>
-            <a:spLocks noGrp="1"/>
-          </p:cNvSpPr>
-          <p:nvPr>
-            <p:ph idx="1"/>
-          </p:nvPr>
-        </p:nvSpPr>
-        <p:spPr/>
-        <p:txBody>
-          <a:bodyPr/>
-          <a:lstStyle/>
-          <a:p>
-            <a:pPr marL="514350" indent="-514350">
-              <a:buFont typeface="+mj-lt"/>
-              <a:buAutoNum type="arabicPeriod" startAt="3"/>
-            </a:pPr>
-            <a:r>
-              <a:rPr lang="en-US" dirty="0"/>
-              <a:t>(</a:t>
-            </a:r>
-            <a:r>
-              <a:rPr lang="en-US" dirty="0" err="1"/>
-              <a:t>cont</a:t>
-            </a:r>
-            <a:r>
-              <a:rPr lang="en-US" dirty="0"/>
-              <a:t>) Write state transitions as events</a:t>
-            </a:r>
-          </a:p>
-          <a:p>
-            <a:pPr marL="914400" lvl="1" indent="-514350"/>
-            <a:r>
-              <a:rPr lang="en-US" dirty="0"/>
-              <a:t>Initial event always called ‘Run’</a:t>
-            </a:r>
-          </a:p>
-          <a:p>
-            <a:pPr marL="914400" lvl="1" indent="-514350"/>
-            <a:r>
-              <a:rPr lang="en-US" dirty="0"/>
-              <a:t>Call event for state transition N = N + 1 ‘Arrival’</a:t>
-            </a:r>
-          </a:p>
-          <a:p>
-            <a:pPr marL="914400" lvl="1" indent="-514350"/>
-            <a:r>
-              <a:rPr lang="en-US" dirty="0"/>
-              <a:t>NOTE: The name ‘Arrival’ is </a:t>
-            </a:r>
-            <a:r>
-              <a:rPr lang="en-US" i="1" dirty="0"/>
-              <a:t>arbitrary</a:t>
-            </a:r>
-          </a:p>
-        </p:txBody>
-      </p:sp>
-      <p:sp>
-        <p:nvSpPr>
-          <p:cNvPr id="5" name="Footer Placeholder 4">
-            <a:extLst>
-              <a:ext uri="{FF2B5EF4-FFF2-40B4-BE49-F238E27FC236}">
-                <a16:creationId xmlns:a16="http://schemas.microsoft.com/office/drawing/2014/main" id="{610BEE45-E3B0-364A-B118-C5ECCB960AAF}"/>
-              </a:ext>
-            </a:extLst>
-          </p:cNvPr>
-          <p:cNvSpPr>
-            <a:spLocks noGrp="1"/>
-          </p:cNvSpPr>
-          <p:nvPr>
-            <p:ph type="ftr" idx="11"/>
-          </p:nvPr>
-        </p:nvSpPr>
-        <p:spPr/>
-        <p:txBody>
-          <a:bodyPr/>
-          <a:lstStyle/>
-          <a:p>
-            <a:pPr>
-              <a:defRPr/>
-            </a:pPr>
-            <a:r>
-              <a:rPr lang="en-GB"/>
-              <a:t>DES Short Course - Session 4</a:t>
-            </a:r>
-          </a:p>
-        </p:txBody>
-      </p:sp>
-      <p:sp>
-        <p:nvSpPr>
-          <p:cNvPr id="6" name="Slide Number Placeholder 5">
-            <a:extLst>
-              <a:ext uri="{FF2B5EF4-FFF2-40B4-BE49-F238E27FC236}">
-                <a16:creationId xmlns:a16="http://schemas.microsoft.com/office/drawing/2014/main" id="{61BEC0FE-A5E1-0C43-B094-41F31DE42738}"/>
-              </a:ext>
-            </a:extLst>
-          </p:cNvPr>
-          <p:cNvSpPr>
-            <a:spLocks noGrp="1"/>
-          </p:cNvSpPr>
-          <p:nvPr>
-            <p:ph type="sldNum" idx="12"/>
-          </p:nvPr>
-        </p:nvSpPr>
-        <p:spPr/>
-        <p:txBody>
-          <a:bodyPr/>
-          <a:lstStyle/>
-          <a:p>
-            <a:fld id="{2C872155-2C61-9C4F-913C-FEC05CAEFC81}" type="slidenum">
-              <a:rPr lang="en-GB" smtClean="0"/>
-              <a:pPr/>
-              <a:t>6</a:t>
-            </a:fld>
-            <a:endParaRPr lang="en-GB"/>
-          </a:p>
-        </p:txBody>
-      </p:sp>
-      <p:pic>
-        <p:nvPicPr>
-          <p:cNvPr id="8" name="Picture 7">
-            <a:extLst>
-              <a:ext uri="{FF2B5EF4-FFF2-40B4-BE49-F238E27FC236}">
-                <a16:creationId xmlns:a16="http://schemas.microsoft.com/office/drawing/2014/main" id="{82B52252-6E39-7F43-B718-459B3D66177E}"/>
-              </a:ext>
-            </a:extLst>
-          </p:cNvPr>
-          <p:cNvPicPr>
-            <a:picLocks noChangeAspect="1"/>
-          </p:cNvPicPr>
-          <p:nvPr/>
-        </p:nvPicPr>
-        <p:blipFill>
-          <a:blip r:embed="rId2"/>
-          <a:stretch>
-            <a:fillRect/>
-          </a:stretch>
-        </p:blipFill>
-        <p:spPr>
-          <a:xfrm>
-            <a:off x="4131606" y="4591050"/>
-            <a:ext cx="3136900" cy="1333500"/>
-          </a:xfrm>
-          <a:prstGeom prst="rect">
-            <a:avLst/>
-          </a:prstGeom>
-        </p:spPr>
-      </p:pic>
-    </p:spTree>
-    <p:extLst>
-      <p:ext uri="{BB962C8B-B14F-4D97-AF65-F5344CB8AC3E}">
-        <p14:creationId xmlns:p14="http://schemas.microsoft.com/office/powerpoint/2010/main" val="3278471706"/>
-      </p:ext>
-    </p:extLst>
-  </p:cSld>
-  <p:clrMapOvr>
-    <a:masterClrMapping/>
-  </p:clrMapOvr>
-</p:sld>
-</file>
-
-<file path=ppt/slides/slide7.xml><?xml version="1.0" encoding="utf-8"?>
-<p:sld xmlns:a="http://schemas.openxmlformats.org/drawingml/2006/main" xmlns:r="http://schemas.openxmlformats.org/officeDocument/2006/relationships" xmlns:p="http://schemas.openxmlformats.org/presentationml/2006/main">
-  <p:cSld>
-    <p:spTree>
-      <p:nvGrpSpPr>
-        <p:cNvPr id="1" name=""/>
-        <p:cNvGrpSpPr/>
-        <p:nvPr/>
-      </p:nvGrpSpPr>
-      <p:grpSpPr>
-        <a:xfrm>
-          <a:off x="0" y="0"/>
-          <a:ext cx="0" cy="0"/>
-          <a:chOff x="0" y="0"/>
-          <a:chExt cx="0" cy="0"/>
-        </a:xfrm>
-      </p:grpSpPr>
-      <p:sp>
-        <p:nvSpPr>
-          <p:cNvPr id="2" name="Title 1">
-            <a:extLst>
-              <a:ext uri="{FF2B5EF4-FFF2-40B4-BE49-F238E27FC236}">
-                <a16:creationId xmlns:a16="http://schemas.microsoft.com/office/drawing/2014/main" id="{15F7DCBF-5521-E44D-929E-98BA60A9E6AD}"/>
-              </a:ext>
-            </a:extLst>
-          </p:cNvPr>
-          <p:cNvSpPr>
-            <a:spLocks noGrp="1"/>
-          </p:cNvSpPr>
-          <p:nvPr>
-            <p:ph type="title"/>
-          </p:nvPr>
-        </p:nvSpPr>
-        <p:spPr/>
-        <p:txBody>
-          <a:bodyPr/>
-          <a:lstStyle/>
-          <a:p>
-            <a:r>
-              <a:rPr lang="en-US" dirty="0"/>
-              <a:t>Arrival Process (</a:t>
-            </a:r>
-            <a:r>
-              <a:rPr lang="en-US" dirty="0" err="1"/>
-              <a:t>cont</a:t>
-            </a:r>
-            <a:r>
-              <a:rPr lang="en-US" dirty="0"/>
-              <a:t>)</a:t>
-            </a:r>
-          </a:p>
-        </p:txBody>
-      </p:sp>
-      <p:sp>
-        <p:nvSpPr>
-          <p:cNvPr id="3" name="Content Placeholder 2">
-            <a:extLst>
-              <a:ext uri="{FF2B5EF4-FFF2-40B4-BE49-F238E27FC236}">
-                <a16:creationId xmlns:a16="http://schemas.microsoft.com/office/drawing/2014/main" id="{58CC4294-BA9C-8844-AFBF-FFBC391600A0}"/>
-              </a:ext>
-            </a:extLst>
-          </p:cNvPr>
-          <p:cNvSpPr>
-            <a:spLocks noGrp="1"/>
-          </p:cNvSpPr>
-          <p:nvPr>
-            <p:ph idx="1"/>
-          </p:nvPr>
-        </p:nvSpPr>
-        <p:spPr/>
-        <p:txBody>
-          <a:bodyPr/>
-          <a:lstStyle/>
-          <a:p>
-            <a:pPr marL="514350" indent="-514350">
-              <a:buFont typeface="+mj-lt"/>
-              <a:buAutoNum type="arabicPeriod" startAt="4"/>
-            </a:pPr>
-            <a:r>
-              <a:rPr lang="en-US" dirty="0"/>
-              <a:t>Identify Scheduling Relationships and write as edges</a:t>
-            </a:r>
-          </a:p>
-          <a:p>
-            <a:pPr marL="914400" lvl="1" indent="-514350"/>
-            <a:r>
-              <a:rPr lang="en-US" dirty="0"/>
-              <a:t>Run schedules first arrival with delay of </a:t>
-            </a:r>
-            <a:r>
-              <a:rPr lang="en-US" dirty="0" err="1"/>
-              <a:t>t</a:t>
-            </a:r>
-            <a:r>
-              <a:rPr lang="en-US" baseline="-25000" dirty="0" err="1"/>
-              <a:t>A</a:t>
-            </a:r>
-            <a:endParaRPr lang="en-US" baseline="-25000" dirty="0"/>
-          </a:p>
-          <a:p>
-            <a:pPr marL="914400" lvl="1" indent="-514350"/>
-            <a:r>
-              <a:rPr lang="en-US" dirty="0"/>
-              <a:t>Arrival schedules Arrival with delay of </a:t>
-            </a:r>
-            <a:r>
-              <a:rPr lang="en-US" dirty="0" err="1"/>
-              <a:t>t</a:t>
-            </a:r>
-            <a:r>
-              <a:rPr lang="en-US" baseline="-25000" dirty="0" err="1"/>
-              <a:t>A</a:t>
-            </a:r>
-            <a:endParaRPr lang="en-US" baseline="-25000" dirty="0"/>
-          </a:p>
-        </p:txBody>
-      </p:sp>
-      <p:sp>
-        <p:nvSpPr>
-          <p:cNvPr id="5" name="Footer Placeholder 4">
-            <a:extLst>
-              <a:ext uri="{FF2B5EF4-FFF2-40B4-BE49-F238E27FC236}">
-                <a16:creationId xmlns:a16="http://schemas.microsoft.com/office/drawing/2014/main" id="{F7F2EC6C-4E2E-214E-B551-215D2405FBCD}"/>
-              </a:ext>
-            </a:extLst>
-          </p:cNvPr>
-          <p:cNvSpPr>
-            <a:spLocks noGrp="1"/>
-          </p:cNvSpPr>
-          <p:nvPr>
-            <p:ph type="ftr" idx="11"/>
-          </p:nvPr>
-        </p:nvSpPr>
-        <p:spPr/>
-        <p:txBody>
-          <a:bodyPr/>
-          <a:lstStyle/>
-          <a:p>
-            <a:pPr>
-              <a:defRPr/>
-            </a:pPr>
-            <a:r>
-              <a:rPr lang="en-GB"/>
-              <a:t>DES Short Course - Session 4</a:t>
-            </a:r>
-          </a:p>
-        </p:txBody>
-      </p:sp>
-      <p:sp>
-        <p:nvSpPr>
-          <p:cNvPr id="6" name="Slide Number Placeholder 5">
-            <a:extLst>
-              <a:ext uri="{FF2B5EF4-FFF2-40B4-BE49-F238E27FC236}">
-                <a16:creationId xmlns:a16="http://schemas.microsoft.com/office/drawing/2014/main" id="{1394A04B-8379-3B41-A1AF-EFAB66F2DAA8}"/>
-              </a:ext>
-            </a:extLst>
-          </p:cNvPr>
-          <p:cNvSpPr>
-            <a:spLocks noGrp="1"/>
-          </p:cNvSpPr>
-          <p:nvPr>
-            <p:ph type="sldNum" idx="12"/>
-          </p:nvPr>
-        </p:nvSpPr>
-        <p:spPr/>
-        <p:txBody>
-          <a:bodyPr/>
-          <a:lstStyle/>
-          <a:p>
-            <a:fld id="{2C872155-2C61-9C4F-913C-FEC05CAEFC81}" type="slidenum">
-              <a:rPr lang="en-GB" smtClean="0"/>
-              <a:pPr/>
-              <a:t>7</a:t>
-            </a:fld>
-            <a:endParaRPr lang="en-GB"/>
-          </a:p>
-        </p:txBody>
-      </p:sp>
-      <p:pic>
-        <p:nvPicPr>
-          <p:cNvPr id="7" name="Picture 6">
-            <a:extLst>
-              <a:ext uri="{FF2B5EF4-FFF2-40B4-BE49-F238E27FC236}">
-                <a16:creationId xmlns:a16="http://schemas.microsoft.com/office/drawing/2014/main" id="{6807E7EA-5CBB-6647-9A9A-055035BE8BC4}"/>
-              </a:ext>
-            </a:extLst>
-          </p:cNvPr>
-          <p:cNvPicPr>
-            <a:picLocks noChangeAspect="1"/>
-          </p:cNvPicPr>
-          <p:nvPr/>
-        </p:nvPicPr>
-        <p:blipFill>
-          <a:blip r:embed="rId2"/>
-          <a:stretch>
-            <a:fillRect/>
-          </a:stretch>
-        </p:blipFill>
-        <p:spPr>
-          <a:xfrm>
-            <a:off x="4343400" y="3962400"/>
-            <a:ext cx="3340100" cy="1993900"/>
-          </a:xfrm>
-          <a:prstGeom prst="rect">
-            <a:avLst/>
-          </a:prstGeom>
-        </p:spPr>
-      </p:pic>
-    </p:spTree>
-    <p:extLst>
-      <p:ext uri="{BB962C8B-B14F-4D97-AF65-F5344CB8AC3E}">
-        <p14:creationId xmlns:p14="http://schemas.microsoft.com/office/powerpoint/2010/main" val="1900744323"/>
-      </p:ext>
-    </p:extLst>
-  </p:cSld>
-  <p:clrMapOvr>
-    <a:masterClrMapping/>
-  </p:clrMapOvr>
-</p:sld>
-</file>
-
-<file path=ppt/slides/slide8.xml><?xml version="1.0" encoding="utf-8"?>
-<p:sld xmlns:a="http://schemas.openxmlformats.org/drawingml/2006/main" xmlns:r="http://schemas.openxmlformats.org/officeDocument/2006/relationships" xmlns:p="http://schemas.openxmlformats.org/presentationml/2006/main">
-  <p:cSld>
-    <p:spTree>
-      <p:nvGrpSpPr>
-        <p:cNvPr id="1" name=""/>
-        <p:cNvGrpSpPr/>
-        <p:nvPr/>
-      </p:nvGrpSpPr>
-      <p:grpSpPr>
-        <a:xfrm>
-          <a:off x="0" y="0"/>
-          <a:ext cx="0" cy="0"/>
-          <a:chOff x="0" y="0"/>
-          <a:chExt cx="0" cy="0"/>
-        </a:xfrm>
-      </p:grpSpPr>
-      <p:sp>
-        <p:nvSpPr>
-          <p:cNvPr id="4099" name="Footer Placeholder 4"/>
-          <p:cNvSpPr>
-            <a:spLocks noGrp="1"/>
-          </p:cNvSpPr>
-          <p:nvPr>
-            <p:ph type="ftr" sz="quarter" idx="11"/>
-          </p:nvPr>
-        </p:nvSpPr>
-        <p:spPr>
-          <a:noFill/>
-          <a:ln/>
-          <a:extLst>
-            <a:ext uri="{909E8E84-426E-40dd-AFC4-6F175D3DCCD1}">
-              <a14:hiddenFill xmlns="" xmlns:a14="http://schemas.microsoft.com/office/drawing/2010/main">
-                <a:solidFill>
-                  <a:srgbClr val="FFFFFF"/>
-                </a:solidFill>
-              </a14:hiddenFill>
-            </a:ext>
-            <a:ext uri="{91240B29-F687-4f45-9708-019B960494DF}">
-              <a14:hiddenLine xmlns="" xmlns:a14="http://schemas.microsoft.com/office/drawing/2010/main" w="9525">
-                <a:solidFill>
-                  <a:srgbClr val="000000"/>
-                </a:solidFill>
-                <a:miter lim="800000"/>
-                <a:headEnd/>
-                <a:tailEnd/>
-              </a14:hiddenLine>
-            </a:ext>
-          </a:extLst>
-        </p:spPr>
-        <p:txBody>
-          <a:bodyPr/>
-          <a:lstStyle>
-            <a:lvl1pPr eaLnBrk="0" hangingPunct="0">
-              <a:defRPr>
-                <a:solidFill>
-                  <a:schemeClr val="tx1"/>
-                </a:solidFill>
-                <a:latin typeface="Arial" charset="0"/>
-                <a:ea typeface="ＭＳ Ｐゴシック" charset="0"/>
-                <a:cs typeface="Arial" charset="0"/>
-              </a:defRPr>
-            </a:lvl1pPr>
-            <a:lvl2pPr marL="742950" indent="-285750" eaLnBrk="0" hangingPunct="0">
-              <a:defRPr>
-                <a:solidFill>
-                  <a:schemeClr val="tx1"/>
-                </a:solidFill>
-                <a:latin typeface="Arial" charset="0"/>
-                <a:ea typeface="Arial" charset="0"/>
-                <a:cs typeface="Arial" charset="0"/>
-              </a:defRPr>
-            </a:lvl2pPr>
-            <a:lvl3pPr marL="1143000" indent="-228600" eaLnBrk="0" hangingPunct="0">
-              <a:defRPr>
-                <a:solidFill>
-                  <a:schemeClr val="tx1"/>
-                </a:solidFill>
-                <a:latin typeface="Arial" charset="0"/>
-                <a:ea typeface="Arial" charset="0"/>
-                <a:cs typeface="Arial" charset="0"/>
-              </a:defRPr>
-            </a:lvl3pPr>
-            <a:lvl4pPr marL="1600200" indent="-228600" eaLnBrk="0" hangingPunct="0">
-              <a:defRPr>
-                <a:solidFill>
-                  <a:schemeClr val="tx1"/>
-                </a:solidFill>
-                <a:latin typeface="Arial" charset="0"/>
-                <a:ea typeface="Arial" charset="0"/>
-                <a:cs typeface="Arial" charset="0"/>
-              </a:defRPr>
-            </a:lvl4pPr>
-            <a:lvl5pPr marL="2057400" indent="-228600" eaLnBrk="0" hangingPunct="0">
-              <a:defRPr>
-                <a:solidFill>
-                  <a:schemeClr val="tx1"/>
-                </a:solidFill>
-                <a:latin typeface="Arial" charset="0"/>
-                <a:ea typeface="Arial" charset="0"/>
-                <a:cs typeface="Arial" charset="0"/>
-              </a:defRPr>
-            </a:lvl5pPr>
-            <a:lvl6pPr marL="2514600" indent="-228600" eaLnBrk="0" fontAlgn="base" hangingPunct="0">
-              <a:spcBef>
-                <a:spcPct val="0"/>
-              </a:spcBef>
-              <a:spcAft>
-                <a:spcPct val="0"/>
-              </a:spcAft>
-              <a:defRPr>
-                <a:solidFill>
-                  <a:schemeClr val="tx1"/>
-                </a:solidFill>
-                <a:latin typeface="Arial" charset="0"/>
-                <a:ea typeface="Arial" charset="0"/>
-                <a:cs typeface="Arial" charset="0"/>
-              </a:defRPr>
-            </a:lvl6pPr>
-            <a:lvl7pPr marL="2971800" indent="-228600" eaLnBrk="0" fontAlgn="base" hangingPunct="0">
-              <a:spcBef>
-                <a:spcPct val="0"/>
-              </a:spcBef>
-              <a:spcAft>
-                <a:spcPct val="0"/>
-              </a:spcAft>
-              <a:defRPr>
-                <a:solidFill>
-                  <a:schemeClr val="tx1"/>
-                </a:solidFill>
-                <a:latin typeface="Arial" charset="0"/>
-                <a:ea typeface="Arial" charset="0"/>
-                <a:cs typeface="Arial" charset="0"/>
-              </a:defRPr>
-            </a:lvl7pPr>
-            <a:lvl8pPr marL="3429000" indent="-228600" eaLnBrk="0" fontAlgn="base" hangingPunct="0">
-              <a:spcBef>
-                <a:spcPct val="0"/>
-              </a:spcBef>
-              <a:spcAft>
-                <a:spcPct val="0"/>
-              </a:spcAft>
-              <a:defRPr>
-                <a:solidFill>
-                  <a:schemeClr val="tx1"/>
-                </a:solidFill>
-                <a:latin typeface="Arial" charset="0"/>
-                <a:ea typeface="Arial" charset="0"/>
-                <a:cs typeface="Arial" charset="0"/>
-              </a:defRPr>
-            </a:lvl8pPr>
-            <a:lvl9pPr marL="3886200" indent="-228600" eaLnBrk="0" fontAlgn="base" hangingPunct="0">
-              <a:spcBef>
-                <a:spcPct val="0"/>
-              </a:spcBef>
-              <a:spcAft>
-                <a:spcPct val="0"/>
-              </a:spcAft>
-              <a:defRPr>
-                <a:solidFill>
-                  <a:schemeClr val="tx1"/>
-                </a:solidFill>
-                <a:latin typeface="Arial" charset="0"/>
-                <a:ea typeface="Arial" charset="0"/>
-                <a:cs typeface="Arial" charset="0"/>
-              </a:defRPr>
-            </a:lvl9pPr>
-          </a:lstStyle>
-          <a:p>
-            <a:pPr eaLnBrk="1" hangingPunct="1"/>
             <a:r>
               <a:rPr lang="en-US"/>
               <a:t>DES Short Course - Session 4</a:t>
             </a:r>
-          </a:p>
-        </p:txBody>
-      </p:sp>
-      <p:sp>
-        <p:nvSpPr>
-          <p:cNvPr id="4100" name="Slide Number Placeholder 5"/>
-          <p:cNvSpPr>
-            <a:spLocks noGrp="1"/>
-          </p:cNvSpPr>
-          <p:nvPr>
-            <p:ph type="sldNum" sz="quarter" idx="12"/>
-          </p:nvPr>
-        </p:nvSpPr>
-        <p:spPr>
-          <a:noFill/>
-          <a:ln/>
-          <a:extLst>
-            <a:ext uri="{909E8E84-426E-40dd-AFC4-6F175D3DCCD1}">
-              <a14:hiddenFill xmlns="" xmlns:a14="http://schemas.microsoft.com/office/drawing/2010/main">
-                <a:solidFill>
-                  <a:srgbClr val="FFFFFF"/>
-                </a:solidFill>
-              </a14:hiddenFill>
-            </a:ext>
-            <a:ext uri="{91240B29-F687-4f45-9708-019B960494DF}">
-              <a14:hiddenLine xmlns="" xmlns:a14="http://schemas.microsoft.com/office/drawing/2010/main" w="9525">
-                <a:solidFill>
-                  <a:srgbClr val="000000"/>
-                </a:solidFill>
-                <a:miter lim="800000"/>
-                <a:headEnd/>
-                <a:tailEnd/>
-              </a14:hiddenLine>
-            </a:ext>
-          </a:extLst>
-        </p:spPr>
-        <p:txBody>
-          <a:bodyPr/>
-          <a:lstStyle>
-            <a:lvl1pPr eaLnBrk="0" hangingPunct="0">
-              <a:defRPr>
-                <a:solidFill>
-                  <a:schemeClr val="tx1"/>
-                </a:solidFill>
-                <a:latin typeface="Arial" charset="0"/>
-                <a:ea typeface="ＭＳ Ｐゴシック" charset="0"/>
-                <a:cs typeface="Arial" charset="0"/>
-              </a:defRPr>
-            </a:lvl1pPr>
-            <a:lvl2pPr marL="742950" indent="-285750" eaLnBrk="0" hangingPunct="0">
-              <a:defRPr>
-                <a:solidFill>
-                  <a:schemeClr val="tx1"/>
-                </a:solidFill>
-                <a:latin typeface="Arial" charset="0"/>
-                <a:ea typeface="Arial" charset="0"/>
-                <a:cs typeface="Arial" charset="0"/>
-              </a:defRPr>
-            </a:lvl2pPr>
-            <a:lvl3pPr marL="1143000" indent="-228600" eaLnBrk="0" hangingPunct="0">
-              <a:defRPr>
-                <a:solidFill>
-                  <a:schemeClr val="tx1"/>
-                </a:solidFill>
-                <a:latin typeface="Arial" charset="0"/>
-                <a:ea typeface="Arial" charset="0"/>
-                <a:cs typeface="Arial" charset="0"/>
-              </a:defRPr>
-            </a:lvl3pPr>
-            <a:lvl4pPr marL="1600200" indent="-228600" eaLnBrk="0" hangingPunct="0">
-              <a:defRPr>
-                <a:solidFill>
-                  <a:schemeClr val="tx1"/>
-                </a:solidFill>
-                <a:latin typeface="Arial" charset="0"/>
-                <a:ea typeface="Arial" charset="0"/>
-                <a:cs typeface="Arial" charset="0"/>
-              </a:defRPr>
-            </a:lvl4pPr>
-            <a:lvl5pPr marL="2057400" indent="-228600" eaLnBrk="0" hangingPunct="0">
-              <a:defRPr>
-                <a:solidFill>
-                  <a:schemeClr val="tx1"/>
-                </a:solidFill>
-                <a:latin typeface="Arial" charset="0"/>
-                <a:ea typeface="Arial" charset="0"/>
-                <a:cs typeface="Arial" charset="0"/>
-              </a:defRPr>
-            </a:lvl5pPr>
-            <a:lvl6pPr marL="2514600" indent="-228600" eaLnBrk="0" fontAlgn="base" hangingPunct="0">
-              <a:spcBef>
-                <a:spcPct val="0"/>
-              </a:spcBef>
-              <a:spcAft>
-                <a:spcPct val="0"/>
-              </a:spcAft>
-              <a:defRPr>
-                <a:solidFill>
-                  <a:schemeClr val="tx1"/>
-                </a:solidFill>
-                <a:latin typeface="Arial" charset="0"/>
-                <a:ea typeface="Arial" charset="0"/>
-                <a:cs typeface="Arial" charset="0"/>
-              </a:defRPr>
-            </a:lvl6pPr>
-            <a:lvl7pPr marL="2971800" indent="-228600" eaLnBrk="0" fontAlgn="base" hangingPunct="0">
-              <a:spcBef>
-                <a:spcPct val="0"/>
-              </a:spcBef>
-              <a:spcAft>
-                <a:spcPct val="0"/>
-              </a:spcAft>
-              <a:defRPr>
-                <a:solidFill>
-                  <a:schemeClr val="tx1"/>
-                </a:solidFill>
-                <a:latin typeface="Arial" charset="0"/>
-                <a:ea typeface="Arial" charset="0"/>
-                <a:cs typeface="Arial" charset="0"/>
-              </a:defRPr>
-            </a:lvl7pPr>
-            <a:lvl8pPr marL="3429000" indent="-228600" eaLnBrk="0" fontAlgn="base" hangingPunct="0">
-              <a:spcBef>
-                <a:spcPct val="0"/>
-              </a:spcBef>
-              <a:spcAft>
-                <a:spcPct val="0"/>
-              </a:spcAft>
-              <a:defRPr>
-                <a:solidFill>
-                  <a:schemeClr val="tx1"/>
-                </a:solidFill>
-                <a:latin typeface="Arial" charset="0"/>
-                <a:ea typeface="Arial" charset="0"/>
-                <a:cs typeface="Arial" charset="0"/>
-              </a:defRPr>
-            </a:lvl8pPr>
-            <a:lvl9pPr marL="3886200" indent="-228600" eaLnBrk="0" fontAlgn="base" hangingPunct="0">
-              <a:spcBef>
-                <a:spcPct val="0"/>
-              </a:spcBef>
-              <a:spcAft>
-                <a:spcPct val="0"/>
-              </a:spcAft>
-              <a:defRPr>
-                <a:solidFill>
-                  <a:schemeClr val="tx1"/>
-                </a:solidFill>
-                <a:latin typeface="Arial" charset="0"/>
-                <a:ea typeface="Arial" charset="0"/>
-                <a:cs typeface="Arial" charset="0"/>
-              </a:defRPr>
-            </a:lvl9pPr>
-          </a:lstStyle>
-          <a:p>
-            <a:pPr eaLnBrk="1" hangingPunct="1"/>
-            <a:fld id="{76E6B053-9407-CB4F-9EDE-A6C366B03380}" type="slidenum">
-              <a:rPr lang="en-US"/>
-              <a:pPr eaLnBrk="1" hangingPunct="1"/>
-              <a:t>8</a:t>
-            </a:fld>
-            <a:endParaRPr lang="en-US"/>
           </a:p>
         </p:txBody>
       </p:sp>
@@ -10873,6 +9845,35 @@
           </a:prstGeom>
         </p:spPr>
       </p:pic>
+      <p:sp>
+        <p:nvSpPr>
+          <p:cNvPr id="3" name="Slide Number Placeholder 2">
+            <a:extLst>
+              <a:ext uri="{FF2B5EF4-FFF2-40B4-BE49-F238E27FC236}">
+                <a16:creationId xmlns:a16="http://schemas.microsoft.com/office/drawing/2014/main" id="{74177989-BFF9-5A4B-B99A-D83B4B938B07}"/>
+              </a:ext>
+            </a:extLst>
+          </p:cNvPr>
+          <p:cNvSpPr>
+            <a:spLocks noGrp="1"/>
+          </p:cNvSpPr>
+          <p:nvPr>
+            <p:ph type="sldNum" sz="quarter" idx="12"/>
+          </p:nvPr>
+        </p:nvSpPr>
+        <p:spPr/>
+        <p:txBody>
+          <a:bodyPr/>
+          <a:lstStyle/>
+          <a:p>
+            <a:fld id="{7B5F8CF4-080C-6448-A4C0-B6A3C5CD13C0}" type="slidenum">
+              <a:rPr lang="en-US" smtClean="0"/>
+              <a:t>8</a:t>
+            </a:fld>
+            <a:endParaRPr lang="en-US"/>
+          </a:p>
+        </p:txBody>
+      </p:sp>
     </p:spTree>
     <p:extLst>
       <p:ext uri="{BB962C8B-B14F-4D97-AF65-F5344CB8AC3E}">
@@ -11072,31 +10073,30 @@
       </p:sp>
       <p:sp>
         <p:nvSpPr>
-          <p:cNvPr id="6" name="Slide Number Placeholder 5">
-            <a:extLst>
-              <a:ext uri="{FF2B5EF4-FFF2-40B4-BE49-F238E27FC236}">
-                <a16:creationId xmlns:a16="http://schemas.microsoft.com/office/drawing/2014/main" id="{CD61F3C0-4EC3-6F45-A6E0-539BD6519FC8}"/>
-              </a:ext>
-            </a:extLst>
-          </p:cNvPr>
-          <p:cNvSpPr>
-            <a:spLocks noGrp="1"/>
-          </p:cNvSpPr>
-          <p:nvPr>
-            <p:ph type="sldNum" idx="12"/>
-          </p:nvPr>
-        </p:nvSpPr>
-        <p:spPr/>
-        <p:txBody>
-          <a:bodyPr/>
-          <a:lstStyle/>
-          <a:p>
-            <a:fld id="{2C872155-2C61-9C4F-913C-FEC05CAEFC81}" type="slidenum">
-              <a:rPr lang="en-GB" smtClean="0"/>
-              <a:pPr/>
+          <p:cNvPr id="4" name="Slide Number Placeholder 3">
+            <a:extLst>
+              <a:ext uri="{FF2B5EF4-FFF2-40B4-BE49-F238E27FC236}">
+                <a16:creationId xmlns:a16="http://schemas.microsoft.com/office/drawing/2014/main" id="{04A3D06D-FAF5-6545-8269-21A42818C3B1}"/>
+              </a:ext>
+            </a:extLst>
+          </p:cNvPr>
+          <p:cNvSpPr>
+            <a:spLocks noGrp="1"/>
+          </p:cNvSpPr>
+          <p:nvPr>
+            <p:ph type="sldNum" sz="quarter" idx="12"/>
+          </p:nvPr>
+        </p:nvSpPr>
+        <p:spPr/>
+        <p:txBody>
+          <a:bodyPr/>
+          <a:lstStyle/>
+          <a:p>
+            <a:fld id="{7B5F8CF4-080C-6448-A4C0-B6A3C5CD13C0}" type="slidenum">
+              <a:rPr lang="en-US" smtClean="0"/>
               <a:t>9</a:t>
             </a:fld>
-            <a:endParaRPr lang="en-GB"/>
+            <a:endParaRPr lang="en-US"/>
           </a:p>
         </p:txBody>
       </p:sp>
